--- a/PADRÃO DE PROJETO (STRATEGY E INTERPRETER).PPTX
+++ b/PADRÃO DE PROJETO (STRATEGY E INTERPRETER).PPTX
@@ -4067,11 +4067,11 @@
     </dgm:pt>
   </dgm:ptLst>
   <dgm:cxnLst>
+    <dgm:cxn modelId="{8F3A3815-57B4-4BB9-8C1F-69CF51BA1328}" srcId="{B5E7095B-FF7A-46E1-BC23-F572997FC9AF}" destId="{F08E54A2-1597-49A7-8CB4-09A72B876EA6}" srcOrd="0" destOrd="0" parTransId="{817BE7B1-7534-4CBD-9ED3-F147AE557A90}" sibTransId="{CC55CBB7-553F-41BE-8DB7-AA62A80E4AFD}"/>
+    <dgm:cxn modelId="{A5BD2400-B56F-4848-BFAD-D9C22FD4E91A}" type="presOf" srcId="{B5E7095B-FF7A-46E1-BC23-F572997FC9AF}" destId="{DD97B0D6-73CD-40C9-8E26-81C761C873D5}" srcOrd="0" destOrd="0" presId="urn:microsoft.com/office/officeart/2005/8/layout/hProcess11"/>
     <dgm:cxn modelId="{417B6EF6-A7FC-4B7F-97A4-CF4CF712295A}" type="presOf" srcId="{E2901A42-498A-44C4-9CB8-4358A1F4C2F1}" destId="{4A0C7687-1CA0-44F1-98B7-F262663A916D}" srcOrd="0" destOrd="0" presId="urn:microsoft.com/office/officeart/2005/8/layout/hProcess11"/>
-    <dgm:cxn modelId="{A5BD2400-B56F-4848-BFAD-D9C22FD4E91A}" type="presOf" srcId="{B5E7095B-FF7A-46E1-BC23-F572997FC9AF}" destId="{DD97B0D6-73CD-40C9-8E26-81C761C873D5}" srcOrd="0" destOrd="0" presId="urn:microsoft.com/office/officeart/2005/8/layout/hProcess11"/>
-    <dgm:cxn modelId="{8F3A3815-57B4-4BB9-8C1F-69CF51BA1328}" srcId="{B5E7095B-FF7A-46E1-BC23-F572997FC9AF}" destId="{F08E54A2-1597-49A7-8CB4-09A72B876EA6}" srcOrd="0" destOrd="0" parTransId="{817BE7B1-7534-4CBD-9ED3-F147AE557A90}" sibTransId="{CC55CBB7-553F-41BE-8DB7-AA62A80E4AFD}"/>
+    <dgm:cxn modelId="{483CA3A0-7E1C-487E-9E44-042AD73B9917}" srcId="{E2901A42-498A-44C4-9CB8-4358A1F4C2F1}" destId="{B5E7095B-FF7A-46E1-BC23-F572997FC9AF}" srcOrd="0" destOrd="0" parTransId="{B2060763-B47D-4211-90BE-29DA34EBC6FF}" sibTransId="{9C55B19E-1647-4684-9A0E-C937BAE12230}"/>
     <dgm:cxn modelId="{D9D28D10-3749-4BB4-BADC-E240E984FAF8}" type="presOf" srcId="{F08E54A2-1597-49A7-8CB4-09A72B876EA6}" destId="{DD97B0D6-73CD-40C9-8E26-81C761C873D5}" srcOrd="0" destOrd="1" presId="urn:microsoft.com/office/officeart/2005/8/layout/hProcess11"/>
-    <dgm:cxn modelId="{483CA3A0-7E1C-487E-9E44-042AD73B9917}" srcId="{E2901A42-498A-44C4-9CB8-4358A1F4C2F1}" destId="{B5E7095B-FF7A-46E1-BC23-F572997FC9AF}" srcOrd="0" destOrd="0" parTransId="{B2060763-B47D-4211-90BE-29DA34EBC6FF}" sibTransId="{9C55B19E-1647-4684-9A0E-C937BAE12230}"/>
     <dgm:cxn modelId="{A494419B-6FCE-4621-B41B-D8D756AFFC10}" type="presParOf" srcId="{4A0C7687-1CA0-44F1-98B7-F262663A916D}" destId="{94D9AC6D-900E-4B79-A8D2-24B82F01266C}" srcOrd="0" destOrd="0" presId="urn:microsoft.com/office/officeart/2005/8/layout/hProcess11"/>
     <dgm:cxn modelId="{39CEB30F-EC7A-438C-8A92-F660A93C546B}" type="presParOf" srcId="{4A0C7687-1CA0-44F1-98B7-F262663A916D}" destId="{FCA3DBB3-0CFB-4CE4-A460-7719ADE5CBDF}" srcOrd="1" destOrd="0" presId="urn:microsoft.com/office/officeart/2005/8/layout/hProcess11"/>
     <dgm:cxn modelId="{7DF17DBD-4CBC-453A-B80B-968F4C2F6752}" type="presParOf" srcId="{FCA3DBB3-0CFB-4CE4-A460-7719ADE5CBDF}" destId="{07D512B5-4B87-4468-A68F-89FE44E36249}" srcOrd="0" destOrd="0" presId="urn:microsoft.com/office/officeart/2005/8/layout/hProcess11"/>
@@ -4380,17 +4380,17 @@
     </dgm:pt>
   </dgm:ptLst>
   <dgm:cxnLst>
+    <dgm:cxn modelId="{E78538F3-DB4A-494A-81C1-BBCEEC21C790}" type="presOf" srcId="{FA1E0B48-02AA-4110-A766-42901BA49C87}" destId="{3BCC6BC2-FF4C-4C2D-9B27-29121AA009E5}" srcOrd="0" destOrd="2" presId="urn:microsoft.com/office/officeart/2005/8/layout/hProcess11"/>
+    <dgm:cxn modelId="{099EE6EB-67A6-4834-AE8E-599A9E466751}" type="presOf" srcId="{1283C626-4CB5-4302-A23F-BD160B35095A}" destId="{3BCC6BC2-FF4C-4C2D-9B27-29121AA009E5}" srcOrd="0" destOrd="0" presId="urn:microsoft.com/office/officeart/2005/8/layout/hProcess11"/>
+    <dgm:cxn modelId="{BE59DF47-1F58-4EF4-B326-C7B2F9051900}" srcId="{1283C626-4CB5-4302-A23F-BD160B35095A}" destId="{A0AE1236-4AC8-4C8E-B463-AFFB9494E867}" srcOrd="0" destOrd="0" parTransId="{39A44F79-1850-4D45-AD24-1AAE2B2FA6AB}" sibTransId="{37615C9A-4A87-432A-8D40-1DAD1D602A88}"/>
+    <dgm:cxn modelId="{657BBFFD-1137-436E-AE31-66061F8AAF5F}" type="presOf" srcId="{F08E54A2-1597-49A7-8CB4-09A72B876EA6}" destId="{DD97B0D6-73CD-40C9-8E26-81C761C873D5}" srcOrd="0" destOrd="1" presId="urn:microsoft.com/office/officeart/2005/8/layout/hProcess11"/>
+    <dgm:cxn modelId="{2E24EB2B-0088-4EA1-B560-0D164D0875D5}" type="presOf" srcId="{A0AE1236-4AC8-4C8E-B463-AFFB9494E867}" destId="{3BCC6BC2-FF4C-4C2D-9B27-29121AA009E5}" srcOrd="0" destOrd="1" presId="urn:microsoft.com/office/officeart/2005/8/layout/hProcess11"/>
+    <dgm:cxn modelId="{9CD8E424-4305-4B52-B508-B951E9ABDF04}" type="presOf" srcId="{E2901A42-498A-44C4-9CB8-4358A1F4C2F1}" destId="{4A0C7687-1CA0-44F1-98B7-F262663A916D}" srcOrd="0" destOrd="0" presId="urn:microsoft.com/office/officeart/2005/8/layout/hProcess11"/>
+    <dgm:cxn modelId="{8F3A3815-57B4-4BB9-8C1F-69CF51BA1328}" srcId="{B5E7095B-FF7A-46E1-BC23-F572997FC9AF}" destId="{F08E54A2-1597-49A7-8CB4-09A72B876EA6}" srcOrd="0" destOrd="0" parTransId="{817BE7B1-7534-4CBD-9ED3-F147AE557A90}" sibTransId="{CC55CBB7-553F-41BE-8DB7-AA62A80E4AFD}"/>
+    <dgm:cxn modelId="{C0B389E2-5F88-4D2C-8AA7-79B29200E40C}" srcId="{E2901A42-498A-44C4-9CB8-4358A1F4C2F1}" destId="{1283C626-4CB5-4302-A23F-BD160B35095A}" srcOrd="1" destOrd="0" parTransId="{744EB2A3-450F-4D01-9F41-C08C56D660CC}" sibTransId="{B5D846E3-401D-4B16-B6F2-830CE4702373}"/>
     <dgm:cxn modelId="{483CA3A0-7E1C-487E-9E44-042AD73B9917}" srcId="{E2901A42-498A-44C4-9CB8-4358A1F4C2F1}" destId="{B5E7095B-FF7A-46E1-BC23-F572997FC9AF}" srcOrd="0" destOrd="0" parTransId="{B2060763-B47D-4211-90BE-29DA34EBC6FF}" sibTransId="{9C55B19E-1647-4684-9A0E-C937BAE12230}"/>
-    <dgm:cxn modelId="{9CD8E424-4305-4B52-B508-B951E9ABDF04}" type="presOf" srcId="{E2901A42-498A-44C4-9CB8-4358A1F4C2F1}" destId="{4A0C7687-1CA0-44F1-98B7-F262663A916D}" srcOrd="0" destOrd="0" presId="urn:microsoft.com/office/officeart/2005/8/layout/hProcess11"/>
-    <dgm:cxn modelId="{2E24EB2B-0088-4EA1-B560-0D164D0875D5}" type="presOf" srcId="{A0AE1236-4AC8-4C8E-B463-AFFB9494E867}" destId="{3BCC6BC2-FF4C-4C2D-9B27-29121AA009E5}" srcOrd="0" destOrd="1" presId="urn:microsoft.com/office/officeart/2005/8/layout/hProcess11"/>
     <dgm:cxn modelId="{EF43AD39-7D3E-4409-A385-EF53D0EAB6D7}" type="presOf" srcId="{B5E7095B-FF7A-46E1-BC23-F572997FC9AF}" destId="{DD97B0D6-73CD-40C9-8E26-81C761C873D5}" srcOrd="0" destOrd="0" presId="urn:microsoft.com/office/officeart/2005/8/layout/hProcess11"/>
-    <dgm:cxn modelId="{C0B389E2-5F88-4D2C-8AA7-79B29200E40C}" srcId="{E2901A42-498A-44C4-9CB8-4358A1F4C2F1}" destId="{1283C626-4CB5-4302-A23F-BD160B35095A}" srcOrd="1" destOrd="0" parTransId="{744EB2A3-450F-4D01-9F41-C08C56D660CC}" sibTransId="{B5D846E3-401D-4B16-B6F2-830CE4702373}"/>
-    <dgm:cxn modelId="{657BBFFD-1137-436E-AE31-66061F8AAF5F}" type="presOf" srcId="{F08E54A2-1597-49A7-8CB4-09A72B876EA6}" destId="{DD97B0D6-73CD-40C9-8E26-81C761C873D5}" srcOrd="0" destOrd="1" presId="urn:microsoft.com/office/officeart/2005/8/layout/hProcess11"/>
-    <dgm:cxn modelId="{099EE6EB-67A6-4834-AE8E-599A9E466751}" type="presOf" srcId="{1283C626-4CB5-4302-A23F-BD160B35095A}" destId="{3BCC6BC2-FF4C-4C2D-9B27-29121AA009E5}" srcOrd="0" destOrd="0" presId="urn:microsoft.com/office/officeart/2005/8/layout/hProcess11"/>
     <dgm:cxn modelId="{883323EA-369E-4D46-AC36-89FC0C1786BC}" srcId="{1283C626-4CB5-4302-A23F-BD160B35095A}" destId="{FA1E0B48-02AA-4110-A766-42901BA49C87}" srcOrd="1" destOrd="0" parTransId="{897AA830-45D4-49CD-A785-076CD41B21A9}" sibTransId="{E3124427-1B70-41DE-B571-156AE6435268}"/>
-    <dgm:cxn modelId="{8F3A3815-57B4-4BB9-8C1F-69CF51BA1328}" srcId="{B5E7095B-FF7A-46E1-BC23-F572997FC9AF}" destId="{F08E54A2-1597-49A7-8CB4-09A72B876EA6}" srcOrd="0" destOrd="0" parTransId="{817BE7B1-7534-4CBD-9ED3-F147AE557A90}" sibTransId="{CC55CBB7-553F-41BE-8DB7-AA62A80E4AFD}"/>
-    <dgm:cxn modelId="{E78538F3-DB4A-494A-81C1-BBCEEC21C790}" type="presOf" srcId="{FA1E0B48-02AA-4110-A766-42901BA49C87}" destId="{3BCC6BC2-FF4C-4C2D-9B27-29121AA009E5}" srcOrd="0" destOrd="2" presId="urn:microsoft.com/office/officeart/2005/8/layout/hProcess11"/>
-    <dgm:cxn modelId="{BE59DF47-1F58-4EF4-B326-C7B2F9051900}" srcId="{1283C626-4CB5-4302-A23F-BD160B35095A}" destId="{A0AE1236-4AC8-4C8E-B463-AFFB9494E867}" srcOrd="0" destOrd="0" parTransId="{39A44F79-1850-4D45-AD24-1AAE2B2FA6AB}" sibTransId="{37615C9A-4A87-432A-8D40-1DAD1D602A88}"/>
     <dgm:cxn modelId="{CDCB495A-04AF-4C1C-BBB5-1F026840A160}" type="presParOf" srcId="{4A0C7687-1CA0-44F1-98B7-F262663A916D}" destId="{94D9AC6D-900E-4B79-A8D2-24B82F01266C}" srcOrd="0" destOrd="0" presId="urn:microsoft.com/office/officeart/2005/8/layout/hProcess11"/>
     <dgm:cxn modelId="{756ED68B-9578-4116-9FF3-78797343D323}" type="presParOf" srcId="{4A0C7687-1CA0-44F1-98B7-F262663A916D}" destId="{FCA3DBB3-0CFB-4CE4-A460-7719ADE5CBDF}" srcOrd="1" destOrd="0" presId="urn:microsoft.com/office/officeart/2005/8/layout/hProcess11"/>
     <dgm:cxn modelId="{51BED18F-A236-4C55-BA7C-F2217C6AA3D2}" type="presParOf" srcId="{FCA3DBB3-0CFB-4CE4-A460-7719ADE5CBDF}" destId="{07D512B5-4B87-4468-A68F-89FE44E36249}" srcOrd="0" destOrd="0" presId="urn:microsoft.com/office/officeart/2005/8/layout/hProcess11"/>
@@ -5010,31 +5010,31 @@
     </dgm:pt>
   </dgm:ptLst>
   <dgm:cxnLst>
+    <dgm:cxn modelId="{F019E5AC-1F16-4B2B-A72C-03F0417C2F2A}" type="presOf" srcId="{3BF44555-8D7F-4800-A601-0E3383801B2B}" destId="{BCBE62D5-D7C2-41AF-858D-472140F6A0FA}" srcOrd="0" destOrd="1" presId="urn:microsoft.com/office/officeart/2005/8/layout/hProcess11"/>
+    <dgm:cxn modelId="{3D3E2714-087D-4975-8390-88197153AF58}" type="presOf" srcId="{57A0E92B-1D43-4215-A1ED-D7A2A22B92CE}" destId="{BCBE62D5-D7C2-41AF-858D-472140F6A0FA}" srcOrd="0" destOrd="3" presId="urn:microsoft.com/office/officeart/2005/8/layout/hProcess11"/>
+    <dgm:cxn modelId="{BE59DF47-1F58-4EF4-B326-C7B2F9051900}" srcId="{1283C626-4CB5-4302-A23F-BD160B35095A}" destId="{A0AE1236-4AC8-4C8E-B463-AFFB9494E867}" srcOrd="0" destOrd="0" parTransId="{39A44F79-1850-4D45-AD24-1AAE2B2FA6AB}" sibTransId="{37615C9A-4A87-432A-8D40-1DAD1D602A88}"/>
+    <dgm:cxn modelId="{E279E94F-F061-40BB-91E6-15DC049218EF}" type="presOf" srcId="{06FF7EEB-65A0-48F5-971F-04D3F5803B74}" destId="{BCBE62D5-D7C2-41AF-858D-472140F6A0FA}" srcOrd="0" destOrd="0" presId="urn:microsoft.com/office/officeart/2005/8/layout/hProcess11"/>
+    <dgm:cxn modelId="{8CDE5498-04F3-49B5-BBB0-735FF550FAF7}" type="presOf" srcId="{CEA348E8-66C5-43EB-B72A-6012BA946CCE}" destId="{BCBE62D5-D7C2-41AF-858D-472140F6A0FA}" srcOrd="0" destOrd="4" presId="urn:microsoft.com/office/officeart/2005/8/layout/hProcess11"/>
+    <dgm:cxn modelId="{883323EA-369E-4D46-AC36-89FC0C1786BC}" srcId="{1283C626-4CB5-4302-A23F-BD160B35095A}" destId="{FA1E0B48-02AA-4110-A766-42901BA49C87}" srcOrd="1" destOrd="0" parTransId="{897AA830-45D4-49CD-A785-076CD41B21A9}" sibTransId="{E3124427-1B70-41DE-B571-156AE6435268}"/>
+    <dgm:cxn modelId="{889B1BEA-3EA7-4B14-972E-788C83A1C3C7}" srcId="{06FF7EEB-65A0-48F5-971F-04D3F5803B74}" destId="{CEA348E8-66C5-43EB-B72A-6012BA946CCE}" srcOrd="3" destOrd="0" parTransId="{EA5C7EE1-DDA6-449F-A62E-8CB1170A996D}" sibTransId="{BF42C185-AD85-4852-B944-4BDFEC739538}"/>
+    <dgm:cxn modelId="{B6AC361E-DC5E-4237-A6F4-CF912ABBA8BF}" srcId="{06FF7EEB-65A0-48F5-971F-04D3F5803B74}" destId="{B1ECE3DA-90C5-4603-97AC-1E0087E5BB1A}" srcOrd="1" destOrd="0" parTransId="{859524A5-712A-4C35-994F-431B1EFB666C}" sibTransId="{50EE230D-B054-4815-9AA1-3AA2AD6A69E0}"/>
+    <dgm:cxn modelId="{483CA3A0-7E1C-487E-9E44-042AD73B9917}" srcId="{E2901A42-498A-44C4-9CB8-4358A1F4C2F1}" destId="{B5E7095B-FF7A-46E1-BC23-F572997FC9AF}" srcOrd="0" destOrd="0" parTransId="{B2060763-B47D-4211-90BE-29DA34EBC6FF}" sibTransId="{9C55B19E-1647-4684-9A0E-C937BAE12230}"/>
+    <dgm:cxn modelId="{2298D9C8-3BBF-42D9-A6CB-8F6C2D76C827}" type="presOf" srcId="{F08E54A2-1597-49A7-8CB4-09A72B876EA6}" destId="{DD97B0D6-73CD-40C9-8E26-81C761C873D5}" srcOrd="0" destOrd="1" presId="urn:microsoft.com/office/officeart/2005/8/layout/hProcess11"/>
+    <dgm:cxn modelId="{C771C4AF-6EED-4724-A8C9-2240806315D6}" srcId="{06FF7EEB-65A0-48F5-971F-04D3F5803B74}" destId="{45265E96-3E41-46B9-AFE1-B76EA8FE8819}" srcOrd="4" destOrd="0" parTransId="{6A067447-A613-4197-9819-FB275B67E09A}" sibTransId="{D90F88C0-6C2D-4047-904A-694062EF6653}"/>
     <dgm:cxn modelId="{BB8A9CA1-ED1F-4F2B-AC44-BB57F16D70BB}" type="presOf" srcId="{45265E96-3E41-46B9-AFE1-B76EA8FE8819}" destId="{BCBE62D5-D7C2-41AF-858D-472140F6A0FA}" srcOrd="0" destOrd="5" presId="urn:microsoft.com/office/officeart/2005/8/layout/hProcess11"/>
-    <dgm:cxn modelId="{B6AC361E-DC5E-4237-A6F4-CF912ABBA8BF}" srcId="{06FF7EEB-65A0-48F5-971F-04D3F5803B74}" destId="{B1ECE3DA-90C5-4603-97AC-1E0087E5BB1A}" srcOrd="1" destOrd="0" parTransId="{859524A5-712A-4C35-994F-431B1EFB666C}" sibTransId="{50EE230D-B054-4815-9AA1-3AA2AD6A69E0}"/>
+    <dgm:cxn modelId="{3CEDD3ED-1864-4750-B08B-FD9542620784}" srcId="{E2901A42-498A-44C4-9CB8-4358A1F4C2F1}" destId="{06FF7EEB-65A0-48F5-971F-04D3F5803B74}" srcOrd="2" destOrd="0" parTransId="{4B2F8313-5729-40A8-8722-C202F2DC7115}" sibTransId="{145AAB38-C695-4228-A7F3-7FB7306D4BEB}"/>
+    <dgm:cxn modelId="{13413746-7AB1-468B-8F8E-D08D2208425C}" srcId="{06FF7EEB-65A0-48F5-971F-04D3F5803B74}" destId="{7B0E20A8-1A01-4C33-90E3-D8DCB268C033}" srcOrd="5" destOrd="0" parTransId="{F5E640E4-89FD-446F-9F9E-93D978AD1E27}" sibTransId="{B8CB5B15-847C-49CE-B510-A7C7C46AB3C4}"/>
+    <dgm:cxn modelId="{FA3D133B-856B-490C-9B5F-B0D02E40760D}" type="presOf" srcId="{1283C626-4CB5-4302-A23F-BD160B35095A}" destId="{3BCC6BC2-FF4C-4C2D-9B27-29121AA009E5}" srcOrd="0" destOrd="0" presId="urn:microsoft.com/office/officeart/2005/8/layout/hProcess11"/>
+    <dgm:cxn modelId="{8F3A3815-57B4-4BB9-8C1F-69CF51BA1328}" srcId="{B5E7095B-FF7A-46E1-BC23-F572997FC9AF}" destId="{F08E54A2-1597-49A7-8CB4-09A72B876EA6}" srcOrd="0" destOrd="0" parTransId="{817BE7B1-7534-4CBD-9ED3-F147AE557A90}" sibTransId="{CC55CBB7-553F-41BE-8DB7-AA62A80E4AFD}"/>
+    <dgm:cxn modelId="{90A87C9C-2A22-4239-A604-83BD1E1447D7}" type="presOf" srcId="{B5E7095B-FF7A-46E1-BC23-F572997FC9AF}" destId="{DD97B0D6-73CD-40C9-8E26-81C761C873D5}" srcOrd="0" destOrd="0" presId="urn:microsoft.com/office/officeart/2005/8/layout/hProcess11"/>
+    <dgm:cxn modelId="{B5131ED8-092D-4266-AE99-B0ACAEB99B40}" type="presOf" srcId="{B1ECE3DA-90C5-4603-97AC-1E0087E5BB1A}" destId="{BCBE62D5-D7C2-41AF-858D-472140F6A0FA}" srcOrd="0" destOrd="2" presId="urn:microsoft.com/office/officeart/2005/8/layout/hProcess11"/>
+    <dgm:cxn modelId="{AA71358F-2316-40B2-A2AF-1BA1EC27DBF0}" srcId="{06FF7EEB-65A0-48F5-971F-04D3F5803B74}" destId="{3BF44555-8D7F-4800-A601-0E3383801B2B}" srcOrd="0" destOrd="0" parTransId="{3331CA1F-FA3C-4FF4-ABF9-225D6AE40CA5}" sibTransId="{B7E7C822-1153-438B-8896-43FEB83554BF}"/>
+    <dgm:cxn modelId="{C0B389E2-5F88-4D2C-8AA7-79B29200E40C}" srcId="{E2901A42-498A-44C4-9CB8-4358A1F4C2F1}" destId="{1283C626-4CB5-4302-A23F-BD160B35095A}" srcOrd="1" destOrd="0" parTransId="{744EB2A3-450F-4D01-9F41-C08C56D660CC}" sibTransId="{B5D846E3-401D-4B16-B6F2-830CE4702373}"/>
+    <dgm:cxn modelId="{650BA336-A9DA-43FC-9C02-04E5033CE309}" type="presOf" srcId="{7B0E20A8-1A01-4C33-90E3-D8DCB268C033}" destId="{BCBE62D5-D7C2-41AF-858D-472140F6A0FA}" srcOrd="0" destOrd="6" presId="urn:microsoft.com/office/officeart/2005/8/layout/hProcess11"/>
+    <dgm:cxn modelId="{62569BE6-1667-4876-A44B-1E6A8A5A770E}" srcId="{06FF7EEB-65A0-48F5-971F-04D3F5803B74}" destId="{57A0E92B-1D43-4215-A1ED-D7A2A22B92CE}" srcOrd="2" destOrd="0" parTransId="{7DFB22CA-46CF-4B48-8CC7-AD184B19EAAD}" sibTransId="{BC4D0A7F-0E8E-4F5B-AFB3-08B5B0F4E2AC}"/>
+    <dgm:cxn modelId="{E3FC559E-DD4E-451A-BD4D-486FAF0A882F}" type="presOf" srcId="{FA1E0B48-02AA-4110-A766-42901BA49C87}" destId="{3BCC6BC2-FF4C-4C2D-9B27-29121AA009E5}" srcOrd="0" destOrd="2" presId="urn:microsoft.com/office/officeart/2005/8/layout/hProcess11"/>
+    <dgm:cxn modelId="{2D2AF855-40F5-4E0D-8A30-E4FF8C93D6F6}" type="presOf" srcId="{E2901A42-498A-44C4-9CB8-4358A1F4C2F1}" destId="{4A0C7687-1CA0-44F1-98B7-F262663A916D}" srcOrd="0" destOrd="0" presId="urn:microsoft.com/office/officeart/2005/8/layout/hProcess11"/>
     <dgm:cxn modelId="{DF19B543-D318-406A-9A2F-D80B5D876F7E}" type="presOf" srcId="{A0AE1236-4AC8-4C8E-B463-AFFB9494E867}" destId="{3BCC6BC2-FF4C-4C2D-9B27-29121AA009E5}" srcOrd="0" destOrd="1" presId="urn:microsoft.com/office/officeart/2005/8/layout/hProcess11"/>
-    <dgm:cxn modelId="{3CEDD3ED-1864-4750-B08B-FD9542620784}" srcId="{E2901A42-498A-44C4-9CB8-4358A1F4C2F1}" destId="{06FF7EEB-65A0-48F5-971F-04D3F5803B74}" srcOrd="2" destOrd="0" parTransId="{4B2F8313-5729-40A8-8722-C202F2DC7115}" sibTransId="{145AAB38-C695-4228-A7F3-7FB7306D4BEB}"/>
-    <dgm:cxn modelId="{3D3E2714-087D-4975-8390-88197153AF58}" type="presOf" srcId="{57A0E92B-1D43-4215-A1ED-D7A2A22B92CE}" destId="{BCBE62D5-D7C2-41AF-858D-472140F6A0FA}" srcOrd="0" destOrd="3" presId="urn:microsoft.com/office/officeart/2005/8/layout/hProcess11"/>
-    <dgm:cxn modelId="{650BA336-A9DA-43FC-9C02-04E5033CE309}" type="presOf" srcId="{7B0E20A8-1A01-4C33-90E3-D8DCB268C033}" destId="{BCBE62D5-D7C2-41AF-858D-472140F6A0FA}" srcOrd="0" destOrd="6" presId="urn:microsoft.com/office/officeart/2005/8/layout/hProcess11"/>
-    <dgm:cxn modelId="{2298D9C8-3BBF-42D9-A6CB-8F6C2D76C827}" type="presOf" srcId="{F08E54A2-1597-49A7-8CB4-09A72B876EA6}" destId="{DD97B0D6-73CD-40C9-8E26-81C761C873D5}" srcOrd="0" destOrd="1" presId="urn:microsoft.com/office/officeart/2005/8/layout/hProcess11"/>
-    <dgm:cxn modelId="{883323EA-369E-4D46-AC36-89FC0C1786BC}" srcId="{1283C626-4CB5-4302-A23F-BD160B35095A}" destId="{FA1E0B48-02AA-4110-A766-42901BA49C87}" srcOrd="1" destOrd="0" parTransId="{897AA830-45D4-49CD-A785-076CD41B21A9}" sibTransId="{E3124427-1B70-41DE-B571-156AE6435268}"/>
-    <dgm:cxn modelId="{8F3A3815-57B4-4BB9-8C1F-69CF51BA1328}" srcId="{B5E7095B-FF7A-46E1-BC23-F572997FC9AF}" destId="{F08E54A2-1597-49A7-8CB4-09A72B876EA6}" srcOrd="0" destOrd="0" parTransId="{817BE7B1-7534-4CBD-9ED3-F147AE557A90}" sibTransId="{CC55CBB7-553F-41BE-8DB7-AA62A80E4AFD}"/>
-    <dgm:cxn modelId="{C771C4AF-6EED-4724-A8C9-2240806315D6}" srcId="{06FF7EEB-65A0-48F5-971F-04D3F5803B74}" destId="{45265E96-3E41-46B9-AFE1-B76EA8FE8819}" srcOrd="4" destOrd="0" parTransId="{6A067447-A613-4197-9819-FB275B67E09A}" sibTransId="{D90F88C0-6C2D-4047-904A-694062EF6653}"/>
-    <dgm:cxn modelId="{BE59DF47-1F58-4EF4-B326-C7B2F9051900}" srcId="{1283C626-4CB5-4302-A23F-BD160B35095A}" destId="{A0AE1236-4AC8-4C8E-B463-AFFB9494E867}" srcOrd="0" destOrd="0" parTransId="{39A44F79-1850-4D45-AD24-1AAE2B2FA6AB}" sibTransId="{37615C9A-4A87-432A-8D40-1DAD1D602A88}"/>
-    <dgm:cxn modelId="{889B1BEA-3EA7-4B14-972E-788C83A1C3C7}" srcId="{06FF7EEB-65A0-48F5-971F-04D3F5803B74}" destId="{CEA348E8-66C5-43EB-B72A-6012BA946CCE}" srcOrd="3" destOrd="0" parTransId="{EA5C7EE1-DDA6-449F-A62E-8CB1170A996D}" sibTransId="{BF42C185-AD85-4852-B944-4BDFEC739538}"/>
-    <dgm:cxn modelId="{483CA3A0-7E1C-487E-9E44-042AD73B9917}" srcId="{E2901A42-498A-44C4-9CB8-4358A1F4C2F1}" destId="{B5E7095B-FF7A-46E1-BC23-F572997FC9AF}" srcOrd="0" destOrd="0" parTransId="{B2060763-B47D-4211-90BE-29DA34EBC6FF}" sibTransId="{9C55B19E-1647-4684-9A0E-C937BAE12230}"/>
-    <dgm:cxn modelId="{2D2AF855-40F5-4E0D-8A30-E4FF8C93D6F6}" type="presOf" srcId="{E2901A42-498A-44C4-9CB8-4358A1F4C2F1}" destId="{4A0C7687-1CA0-44F1-98B7-F262663A916D}" srcOrd="0" destOrd="0" presId="urn:microsoft.com/office/officeart/2005/8/layout/hProcess11"/>
-    <dgm:cxn modelId="{B5131ED8-092D-4266-AE99-B0ACAEB99B40}" type="presOf" srcId="{B1ECE3DA-90C5-4603-97AC-1E0087E5BB1A}" destId="{BCBE62D5-D7C2-41AF-858D-472140F6A0FA}" srcOrd="0" destOrd="2" presId="urn:microsoft.com/office/officeart/2005/8/layout/hProcess11"/>
-    <dgm:cxn modelId="{C0B389E2-5F88-4D2C-8AA7-79B29200E40C}" srcId="{E2901A42-498A-44C4-9CB8-4358A1F4C2F1}" destId="{1283C626-4CB5-4302-A23F-BD160B35095A}" srcOrd="1" destOrd="0" parTransId="{744EB2A3-450F-4D01-9F41-C08C56D660CC}" sibTransId="{B5D846E3-401D-4B16-B6F2-830CE4702373}"/>
-    <dgm:cxn modelId="{E3FC559E-DD4E-451A-BD4D-486FAF0A882F}" type="presOf" srcId="{FA1E0B48-02AA-4110-A766-42901BA49C87}" destId="{3BCC6BC2-FF4C-4C2D-9B27-29121AA009E5}" srcOrd="0" destOrd="2" presId="urn:microsoft.com/office/officeart/2005/8/layout/hProcess11"/>
-    <dgm:cxn modelId="{FA3D133B-856B-490C-9B5F-B0D02E40760D}" type="presOf" srcId="{1283C626-4CB5-4302-A23F-BD160B35095A}" destId="{3BCC6BC2-FF4C-4C2D-9B27-29121AA009E5}" srcOrd="0" destOrd="0" presId="urn:microsoft.com/office/officeart/2005/8/layout/hProcess11"/>
-    <dgm:cxn modelId="{13413746-7AB1-468B-8F8E-D08D2208425C}" srcId="{06FF7EEB-65A0-48F5-971F-04D3F5803B74}" destId="{7B0E20A8-1A01-4C33-90E3-D8DCB268C033}" srcOrd="5" destOrd="0" parTransId="{F5E640E4-89FD-446F-9F9E-93D978AD1E27}" sibTransId="{B8CB5B15-847C-49CE-B510-A7C7C46AB3C4}"/>
-    <dgm:cxn modelId="{8CDE5498-04F3-49B5-BBB0-735FF550FAF7}" type="presOf" srcId="{CEA348E8-66C5-43EB-B72A-6012BA946CCE}" destId="{BCBE62D5-D7C2-41AF-858D-472140F6A0FA}" srcOrd="0" destOrd="4" presId="urn:microsoft.com/office/officeart/2005/8/layout/hProcess11"/>
-    <dgm:cxn modelId="{AA71358F-2316-40B2-A2AF-1BA1EC27DBF0}" srcId="{06FF7EEB-65A0-48F5-971F-04D3F5803B74}" destId="{3BF44555-8D7F-4800-A601-0E3383801B2B}" srcOrd="0" destOrd="0" parTransId="{3331CA1F-FA3C-4FF4-ABF9-225D6AE40CA5}" sibTransId="{B7E7C822-1153-438B-8896-43FEB83554BF}"/>
-    <dgm:cxn modelId="{62569BE6-1667-4876-A44B-1E6A8A5A770E}" srcId="{06FF7EEB-65A0-48F5-971F-04D3F5803B74}" destId="{57A0E92B-1D43-4215-A1ED-D7A2A22B92CE}" srcOrd="2" destOrd="0" parTransId="{7DFB22CA-46CF-4B48-8CC7-AD184B19EAAD}" sibTransId="{BC4D0A7F-0E8E-4F5B-AFB3-08B5B0F4E2AC}"/>
-    <dgm:cxn modelId="{E279E94F-F061-40BB-91E6-15DC049218EF}" type="presOf" srcId="{06FF7EEB-65A0-48F5-971F-04D3F5803B74}" destId="{BCBE62D5-D7C2-41AF-858D-472140F6A0FA}" srcOrd="0" destOrd="0" presId="urn:microsoft.com/office/officeart/2005/8/layout/hProcess11"/>
-    <dgm:cxn modelId="{F019E5AC-1F16-4B2B-A72C-03F0417C2F2A}" type="presOf" srcId="{3BF44555-8D7F-4800-A601-0E3383801B2B}" destId="{BCBE62D5-D7C2-41AF-858D-472140F6A0FA}" srcOrd="0" destOrd="1" presId="urn:microsoft.com/office/officeart/2005/8/layout/hProcess11"/>
-    <dgm:cxn modelId="{90A87C9C-2A22-4239-A604-83BD1E1447D7}" type="presOf" srcId="{B5E7095B-FF7A-46E1-BC23-F572997FC9AF}" destId="{DD97B0D6-73CD-40C9-8E26-81C761C873D5}" srcOrd="0" destOrd="0" presId="urn:microsoft.com/office/officeart/2005/8/layout/hProcess11"/>
     <dgm:cxn modelId="{4F93BE3F-D935-47D4-9A94-AD5D7215B997}" type="presParOf" srcId="{4A0C7687-1CA0-44F1-98B7-F262663A916D}" destId="{94D9AC6D-900E-4B79-A8D2-24B82F01266C}" srcOrd="0" destOrd="0" presId="urn:microsoft.com/office/officeart/2005/8/layout/hProcess11"/>
     <dgm:cxn modelId="{973AB524-0066-4E0E-A283-515F267C6490}" type="presParOf" srcId="{4A0C7687-1CA0-44F1-98B7-F262663A916D}" destId="{FCA3DBB3-0CFB-4CE4-A460-7719ADE5CBDF}" srcOrd="1" destOrd="0" presId="urn:microsoft.com/office/officeart/2005/8/layout/hProcess11"/>
     <dgm:cxn modelId="{FFA16922-3F1F-4232-88D7-EA66A9B3AA4B}" type="presParOf" srcId="{FCA3DBB3-0CFB-4CE4-A460-7719ADE5CBDF}" destId="{07D512B5-4B87-4468-A68F-89FE44E36249}" srcOrd="0" destOrd="0" presId="urn:microsoft.com/office/officeart/2005/8/layout/hProcess11"/>
@@ -5744,33 +5744,33 @@
     </dgm:pt>
   </dgm:ptLst>
   <dgm:cxnLst>
-    <dgm:cxn modelId="{88B3C226-2E81-4005-88AC-6E07B9865F2C}" type="presOf" srcId="{CEA348E8-66C5-43EB-B72A-6012BA946CCE}" destId="{BCBE62D5-D7C2-41AF-858D-472140F6A0FA}" srcOrd="0" destOrd="4" presId="urn:microsoft.com/office/officeart/2005/8/layout/hProcess11"/>
-    <dgm:cxn modelId="{391369F5-3C78-4EA4-ACA9-3698D911912C}" type="presOf" srcId="{06FF7EEB-65A0-48F5-971F-04D3F5803B74}" destId="{BCBE62D5-D7C2-41AF-858D-472140F6A0FA}" srcOrd="0" destOrd="0" presId="urn:microsoft.com/office/officeart/2005/8/layout/hProcess11"/>
+    <dgm:cxn modelId="{C293EF6F-09E2-4B3B-BF02-F95548215397}" type="presOf" srcId="{B5E7095B-FF7A-46E1-BC23-F572997FC9AF}" destId="{DD97B0D6-73CD-40C9-8E26-81C761C873D5}" srcOrd="0" destOrd="0" presId="urn:microsoft.com/office/officeart/2005/8/layout/hProcess11"/>
+    <dgm:cxn modelId="{BE59DF47-1F58-4EF4-B326-C7B2F9051900}" srcId="{1283C626-4CB5-4302-A23F-BD160B35095A}" destId="{A0AE1236-4AC8-4C8E-B463-AFFB9494E867}" srcOrd="0" destOrd="0" parTransId="{39A44F79-1850-4D45-AD24-1AAE2B2FA6AB}" sibTransId="{37615C9A-4A87-432A-8D40-1DAD1D602A88}"/>
     <dgm:cxn modelId="{B6AC361E-DC5E-4237-A6F4-CF912ABBA8BF}" srcId="{06FF7EEB-65A0-48F5-971F-04D3F5803B74}" destId="{B1ECE3DA-90C5-4603-97AC-1E0087E5BB1A}" srcOrd="1" destOrd="0" parTransId="{859524A5-712A-4C35-994F-431B1EFB666C}" sibTransId="{50EE230D-B054-4815-9AA1-3AA2AD6A69E0}"/>
     <dgm:cxn modelId="{3CEDD3ED-1864-4750-B08B-FD9542620784}" srcId="{E2901A42-498A-44C4-9CB8-4358A1F4C2F1}" destId="{06FF7EEB-65A0-48F5-971F-04D3F5803B74}" srcOrd="2" destOrd="0" parTransId="{4B2F8313-5729-40A8-8722-C202F2DC7115}" sibTransId="{145AAB38-C695-4228-A7F3-7FB7306D4BEB}"/>
     <dgm:cxn modelId="{54D0E436-4AFE-40A8-A494-970E38F1D49B}" type="presOf" srcId="{FA1E0B48-02AA-4110-A766-42901BA49C87}" destId="{3BCC6BC2-FF4C-4C2D-9B27-29121AA009E5}" srcOrd="0" destOrd="2" presId="urn:microsoft.com/office/officeart/2005/8/layout/hProcess11"/>
-    <dgm:cxn modelId="{DBD2E742-2477-4384-8E7D-886882BD5F8F}" type="presOf" srcId="{B1ECE3DA-90C5-4603-97AC-1E0087E5BB1A}" destId="{BCBE62D5-D7C2-41AF-858D-472140F6A0FA}" srcOrd="0" destOrd="2" presId="urn:microsoft.com/office/officeart/2005/8/layout/hProcess11"/>
-    <dgm:cxn modelId="{C293EF6F-09E2-4B3B-BF02-F95548215397}" type="presOf" srcId="{B5E7095B-FF7A-46E1-BC23-F572997FC9AF}" destId="{DD97B0D6-73CD-40C9-8E26-81C761C873D5}" srcOrd="0" destOrd="0" presId="urn:microsoft.com/office/officeart/2005/8/layout/hProcess11"/>
-    <dgm:cxn modelId="{F0147162-F670-48EE-AABF-D967D18453FC}" type="presOf" srcId="{7B0E20A8-1A01-4C33-90E3-D8DCB268C033}" destId="{BCBE62D5-D7C2-41AF-858D-472140F6A0FA}" srcOrd="0" destOrd="6" presId="urn:microsoft.com/office/officeart/2005/8/layout/hProcess11"/>
-    <dgm:cxn modelId="{883323EA-369E-4D46-AC36-89FC0C1786BC}" srcId="{1283C626-4CB5-4302-A23F-BD160B35095A}" destId="{FA1E0B48-02AA-4110-A766-42901BA49C87}" srcOrd="1" destOrd="0" parTransId="{897AA830-45D4-49CD-A785-076CD41B21A9}" sibTransId="{E3124427-1B70-41DE-B571-156AE6435268}"/>
+    <dgm:cxn modelId="{889B1BEA-3EA7-4B14-972E-788C83A1C3C7}" srcId="{06FF7EEB-65A0-48F5-971F-04D3F5803B74}" destId="{CEA348E8-66C5-43EB-B72A-6012BA946CCE}" srcOrd="3" destOrd="0" parTransId="{EA5C7EE1-DDA6-449F-A62E-8CB1170A996D}" sibTransId="{BF42C185-AD85-4852-B944-4BDFEC739538}"/>
+    <dgm:cxn modelId="{483CA3A0-7E1C-487E-9E44-042AD73B9917}" srcId="{E2901A42-498A-44C4-9CB8-4358A1F4C2F1}" destId="{B5E7095B-FF7A-46E1-BC23-F572997FC9AF}" srcOrd="0" destOrd="0" parTransId="{B2060763-B47D-4211-90BE-29DA34EBC6FF}" sibTransId="{9C55B19E-1647-4684-9A0E-C937BAE12230}"/>
+    <dgm:cxn modelId="{FFD9C951-EBBB-4B62-960B-006D17C5C0C5}" srcId="{E2901A42-498A-44C4-9CB8-4358A1F4C2F1}" destId="{CC682701-B845-421D-AFB3-455DCB0F76E3}" srcOrd="3" destOrd="0" parTransId="{A1C3ECA8-739C-4C93-B43F-F4811DECF0BE}" sibTransId="{2E0E2DE1-4827-42B3-AD1C-B0C3FF3B9DA0}"/>
+    <dgm:cxn modelId="{391369F5-3C78-4EA4-ACA9-3698D911912C}" type="presOf" srcId="{06FF7EEB-65A0-48F5-971F-04D3F5803B74}" destId="{BCBE62D5-D7C2-41AF-858D-472140F6A0FA}" srcOrd="0" destOrd="0" presId="urn:microsoft.com/office/officeart/2005/8/layout/hProcess11"/>
+    <dgm:cxn modelId="{A8B989F1-B8E8-4998-A887-221413C20C21}" type="presOf" srcId="{1283C626-4CB5-4302-A23F-BD160B35095A}" destId="{3BCC6BC2-FF4C-4C2D-9B27-29121AA009E5}" srcOrd="0" destOrd="0" presId="urn:microsoft.com/office/officeart/2005/8/layout/hProcess11"/>
     <dgm:cxn modelId="{8F3A3815-57B4-4BB9-8C1F-69CF51BA1328}" srcId="{B5E7095B-FF7A-46E1-BC23-F572997FC9AF}" destId="{F08E54A2-1597-49A7-8CB4-09A72B876EA6}" srcOrd="0" destOrd="0" parTransId="{817BE7B1-7534-4CBD-9ED3-F147AE557A90}" sibTransId="{CC55CBB7-553F-41BE-8DB7-AA62A80E4AFD}"/>
     <dgm:cxn modelId="{8011203B-D295-4992-BFA4-66E41EF89142}" type="presOf" srcId="{E2901A42-498A-44C4-9CB8-4358A1F4C2F1}" destId="{4A0C7687-1CA0-44F1-98B7-F262663A916D}" srcOrd="0" destOrd="0" presId="urn:microsoft.com/office/officeart/2005/8/layout/hProcess11"/>
     <dgm:cxn modelId="{C771C4AF-6EED-4724-A8C9-2240806315D6}" srcId="{06FF7EEB-65A0-48F5-971F-04D3F5803B74}" destId="{45265E96-3E41-46B9-AFE1-B76EA8FE8819}" srcOrd="4" destOrd="0" parTransId="{6A067447-A613-4197-9819-FB275B67E09A}" sibTransId="{D90F88C0-6C2D-4047-904A-694062EF6653}"/>
+    <dgm:cxn modelId="{90227A71-114C-449E-B902-EEFC6907DADF}" type="presOf" srcId="{45265E96-3E41-46B9-AFE1-B76EA8FE8819}" destId="{BCBE62D5-D7C2-41AF-858D-472140F6A0FA}" srcOrd="0" destOrd="5" presId="urn:microsoft.com/office/officeart/2005/8/layout/hProcess11"/>
+    <dgm:cxn modelId="{13413746-7AB1-468B-8F8E-D08D2208425C}" srcId="{06FF7EEB-65A0-48F5-971F-04D3F5803B74}" destId="{7B0E20A8-1A01-4C33-90E3-D8DCB268C033}" srcOrd="5" destOrd="0" parTransId="{F5E640E4-89FD-446F-9F9E-93D978AD1E27}" sibTransId="{B8CB5B15-847C-49CE-B510-A7C7C46AB3C4}"/>
+    <dgm:cxn modelId="{C0B389E2-5F88-4D2C-8AA7-79B29200E40C}" srcId="{E2901A42-498A-44C4-9CB8-4358A1F4C2F1}" destId="{1283C626-4CB5-4302-A23F-BD160B35095A}" srcOrd="1" destOrd="0" parTransId="{744EB2A3-450F-4D01-9F41-C08C56D660CC}" sibTransId="{B5D846E3-401D-4B16-B6F2-830CE4702373}"/>
+    <dgm:cxn modelId="{89E3AADE-49EC-4C01-AF27-5A4781010912}" type="presOf" srcId="{CC682701-B845-421D-AFB3-455DCB0F76E3}" destId="{9A5F36CF-6536-4935-8B2C-17888235565F}" srcOrd="0" destOrd="0" presId="urn:microsoft.com/office/officeart/2005/8/layout/hProcess11"/>
+    <dgm:cxn modelId="{DBD2E742-2477-4384-8E7D-886882BD5F8F}" type="presOf" srcId="{B1ECE3DA-90C5-4603-97AC-1E0087E5BB1A}" destId="{BCBE62D5-D7C2-41AF-858D-472140F6A0FA}" srcOrd="0" destOrd="2" presId="urn:microsoft.com/office/officeart/2005/8/layout/hProcess11"/>
+    <dgm:cxn modelId="{88B3C226-2E81-4005-88AC-6E07B9865F2C}" type="presOf" srcId="{CEA348E8-66C5-43EB-B72A-6012BA946CCE}" destId="{BCBE62D5-D7C2-41AF-858D-472140F6A0FA}" srcOrd="0" destOrd="4" presId="urn:microsoft.com/office/officeart/2005/8/layout/hProcess11"/>
+    <dgm:cxn modelId="{119A7069-88EA-470C-BB24-320B172BDA9C}" type="presOf" srcId="{A0AE1236-4AC8-4C8E-B463-AFFB9494E867}" destId="{3BCC6BC2-FF4C-4C2D-9B27-29121AA009E5}" srcOrd="0" destOrd="1" presId="urn:microsoft.com/office/officeart/2005/8/layout/hProcess11"/>
+    <dgm:cxn modelId="{F0147162-F670-48EE-AABF-D967D18453FC}" type="presOf" srcId="{7B0E20A8-1A01-4C33-90E3-D8DCB268C033}" destId="{BCBE62D5-D7C2-41AF-858D-472140F6A0FA}" srcOrd="0" destOrd="6" presId="urn:microsoft.com/office/officeart/2005/8/layout/hProcess11"/>
+    <dgm:cxn modelId="{C610BBD8-7722-4AC4-A655-86E7D433AE03}" type="presOf" srcId="{3BF44555-8D7F-4800-A601-0E3383801B2B}" destId="{BCBE62D5-D7C2-41AF-858D-472140F6A0FA}" srcOrd="0" destOrd="1" presId="urn:microsoft.com/office/officeart/2005/8/layout/hProcess11"/>
+    <dgm:cxn modelId="{115BDD98-14F1-4B41-BFFA-57252F263C8A}" type="presOf" srcId="{57A0E92B-1D43-4215-A1ED-D7A2A22B92CE}" destId="{BCBE62D5-D7C2-41AF-858D-472140F6A0FA}" srcOrd="0" destOrd="3" presId="urn:microsoft.com/office/officeart/2005/8/layout/hProcess11"/>
+    <dgm:cxn modelId="{883323EA-369E-4D46-AC36-89FC0C1786BC}" srcId="{1283C626-4CB5-4302-A23F-BD160B35095A}" destId="{FA1E0B48-02AA-4110-A766-42901BA49C87}" srcOrd="1" destOrd="0" parTransId="{897AA830-45D4-49CD-A785-076CD41B21A9}" sibTransId="{E3124427-1B70-41DE-B571-156AE6435268}"/>
+    <dgm:cxn modelId="{AA71358F-2316-40B2-A2AF-1BA1EC27DBF0}" srcId="{06FF7EEB-65A0-48F5-971F-04D3F5803B74}" destId="{3BF44555-8D7F-4800-A601-0E3383801B2B}" srcOrd="0" destOrd="0" parTransId="{3331CA1F-FA3C-4FF4-ABF9-225D6AE40CA5}" sibTransId="{B7E7C822-1153-438B-8896-43FEB83554BF}"/>
     <dgm:cxn modelId="{C2BB6013-7960-4B79-9A1A-9A8E4C243B44}" type="presOf" srcId="{F08E54A2-1597-49A7-8CB4-09A72B876EA6}" destId="{DD97B0D6-73CD-40C9-8E26-81C761C873D5}" srcOrd="0" destOrd="1" presId="urn:microsoft.com/office/officeart/2005/8/layout/hProcess11"/>
-    <dgm:cxn modelId="{BE59DF47-1F58-4EF4-B326-C7B2F9051900}" srcId="{1283C626-4CB5-4302-A23F-BD160B35095A}" destId="{A0AE1236-4AC8-4C8E-B463-AFFB9494E867}" srcOrd="0" destOrd="0" parTransId="{39A44F79-1850-4D45-AD24-1AAE2B2FA6AB}" sibTransId="{37615C9A-4A87-432A-8D40-1DAD1D602A88}"/>
-    <dgm:cxn modelId="{A8B989F1-B8E8-4998-A887-221413C20C21}" type="presOf" srcId="{1283C626-4CB5-4302-A23F-BD160B35095A}" destId="{3BCC6BC2-FF4C-4C2D-9B27-29121AA009E5}" srcOrd="0" destOrd="0" presId="urn:microsoft.com/office/officeart/2005/8/layout/hProcess11"/>
-    <dgm:cxn modelId="{90227A71-114C-449E-B902-EEFC6907DADF}" type="presOf" srcId="{45265E96-3E41-46B9-AFE1-B76EA8FE8819}" destId="{BCBE62D5-D7C2-41AF-858D-472140F6A0FA}" srcOrd="0" destOrd="5" presId="urn:microsoft.com/office/officeart/2005/8/layout/hProcess11"/>
-    <dgm:cxn modelId="{889B1BEA-3EA7-4B14-972E-788C83A1C3C7}" srcId="{06FF7EEB-65A0-48F5-971F-04D3F5803B74}" destId="{CEA348E8-66C5-43EB-B72A-6012BA946CCE}" srcOrd="3" destOrd="0" parTransId="{EA5C7EE1-DDA6-449F-A62E-8CB1170A996D}" sibTransId="{BF42C185-AD85-4852-B944-4BDFEC739538}"/>
-    <dgm:cxn modelId="{483CA3A0-7E1C-487E-9E44-042AD73B9917}" srcId="{E2901A42-498A-44C4-9CB8-4358A1F4C2F1}" destId="{B5E7095B-FF7A-46E1-BC23-F572997FC9AF}" srcOrd="0" destOrd="0" parTransId="{B2060763-B47D-4211-90BE-29DA34EBC6FF}" sibTransId="{9C55B19E-1647-4684-9A0E-C937BAE12230}"/>
-    <dgm:cxn modelId="{89E3AADE-49EC-4C01-AF27-5A4781010912}" type="presOf" srcId="{CC682701-B845-421D-AFB3-455DCB0F76E3}" destId="{9A5F36CF-6536-4935-8B2C-17888235565F}" srcOrd="0" destOrd="0" presId="urn:microsoft.com/office/officeart/2005/8/layout/hProcess11"/>
-    <dgm:cxn modelId="{C610BBD8-7722-4AC4-A655-86E7D433AE03}" type="presOf" srcId="{3BF44555-8D7F-4800-A601-0E3383801B2B}" destId="{BCBE62D5-D7C2-41AF-858D-472140F6A0FA}" srcOrd="0" destOrd="1" presId="urn:microsoft.com/office/officeart/2005/8/layout/hProcess11"/>
-    <dgm:cxn modelId="{C0B389E2-5F88-4D2C-8AA7-79B29200E40C}" srcId="{E2901A42-498A-44C4-9CB8-4358A1F4C2F1}" destId="{1283C626-4CB5-4302-A23F-BD160B35095A}" srcOrd="1" destOrd="0" parTransId="{744EB2A3-450F-4D01-9F41-C08C56D660CC}" sibTransId="{B5D846E3-401D-4B16-B6F2-830CE4702373}"/>
-    <dgm:cxn modelId="{13413746-7AB1-468B-8F8E-D08D2208425C}" srcId="{06FF7EEB-65A0-48F5-971F-04D3F5803B74}" destId="{7B0E20A8-1A01-4C33-90E3-D8DCB268C033}" srcOrd="5" destOrd="0" parTransId="{F5E640E4-89FD-446F-9F9E-93D978AD1E27}" sibTransId="{B8CB5B15-847C-49CE-B510-A7C7C46AB3C4}"/>
-    <dgm:cxn modelId="{FFD9C951-EBBB-4B62-960B-006D17C5C0C5}" srcId="{E2901A42-498A-44C4-9CB8-4358A1F4C2F1}" destId="{CC682701-B845-421D-AFB3-455DCB0F76E3}" srcOrd="3" destOrd="0" parTransId="{A1C3ECA8-739C-4C93-B43F-F4811DECF0BE}" sibTransId="{2E0E2DE1-4827-42B3-AD1C-B0C3FF3B9DA0}"/>
-    <dgm:cxn modelId="{AA71358F-2316-40B2-A2AF-1BA1EC27DBF0}" srcId="{06FF7EEB-65A0-48F5-971F-04D3F5803B74}" destId="{3BF44555-8D7F-4800-A601-0E3383801B2B}" srcOrd="0" destOrd="0" parTransId="{3331CA1F-FA3C-4FF4-ABF9-225D6AE40CA5}" sibTransId="{B7E7C822-1153-438B-8896-43FEB83554BF}"/>
     <dgm:cxn modelId="{62569BE6-1667-4876-A44B-1E6A8A5A770E}" srcId="{06FF7EEB-65A0-48F5-971F-04D3F5803B74}" destId="{57A0E92B-1D43-4215-A1ED-D7A2A22B92CE}" srcOrd="2" destOrd="0" parTransId="{7DFB22CA-46CF-4B48-8CC7-AD184B19EAAD}" sibTransId="{BC4D0A7F-0E8E-4F5B-AFB3-08B5B0F4E2AC}"/>
-    <dgm:cxn modelId="{115BDD98-14F1-4B41-BFFA-57252F263C8A}" type="presOf" srcId="{57A0E92B-1D43-4215-A1ED-D7A2A22B92CE}" destId="{BCBE62D5-D7C2-41AF-858D-472140F6A0FA}" srcOrd="0" destOrd="3" presId="urn:microsoft.com/office/officeart/2005/8/layout/hProcess11"/>
-    <dgm:cxn modelId="{119A7069-88EA-470C-BB24-320B172BDA9C}" type="presOf" srcId="{A0AE1236-4AC8-4C8E-B463-AFFB9494E867}" destId="{3BCC6BC2-FF4C-4C2D-9B27-29121AA009E5}" srcOrd="0" destOrd="1" presId="urn:microsoft.com/office/officeart/2005/8/layout/hProcess11"/>
     <dgm:cxn modelId="{FA17C9CD-E749-45E1-8D9D-4F44621E4F23}" type="presParOf" srcId="{4A0C7687-1CA0-44F1-98B7-F262663A916D}" destId="{94D9AC6D-900E-4B79-A8D2-24B82F01266C}" srcOrd="0" destOrd="0" presId="urn:microsoft.com/office/officeart/2005/8/layout/hProcess11"/>
     <dgm:cxn modelId="{8B88A3D0-E2CA-4ABE-B171-8F81F74F19DB}" type="presParOf" srcId="{4A0C7687-1CA0-44F1-98B7-F262663A916D}" destId="{FCA3DBB3-0CFB-4CE4-A460-7719ADE5CBDF}" srcOrd="1" destOrd="0" presId="urn:microsoft.com/office/officeart/2005/8/layout/hProcess11"/>
     <dgm:cxn modelId="{6EF67587-1C9B-46BD-A6F3-0EA0283F43AE}" type="presParOf" srcId="{FCA3DBB3-0CFB-4CE4-A460-7719ADE5CBDF}" destId="{07D512B5-4B87-4468-A68F-89FE44E36249}" srcOrd="0" destOrd="0" presId="urn:microsoft.com/office/officeart/2005/8/layout/hProcess11"/>
@@ -6504,8 +6504,8 @@
     <dgm:cxn modelId="{92EC3A11-23C1-4949-A411-932A5F19D1B0}" type="presOf" srcId="{CEA348E8-66C5-43EB-B72A-6012BA946CCE}" destId="{BCBE62D5-D7C2-41AF-858D-472140F6A0FA}" srcOrd="0" destOrd="4" presId="urn:microsoft.com/office/officeart/2005/8/layout/hProcess11"/>
     <dgm:cxn modelId="{C0B389E2-5F88-4D2C-8AA7-79B29200E40C}" srcId="{E2901A42-498A-44C4-9CB8-4358A1F4C2F1}" destId="{1283C626-4CB5-4302-A23F-BD160B35095A}" srcOrd="1" destOrd="0" parTransId="{744EB2A3-450F-4D01-9F41-C08C56D660CC}" sibTransId="{B5D846E3-401D-4B16-B6F2-830CE4702373}"/>
     <dgm:cxn modelId="{7F26CAF1-A728-47FA-9289-E303ED272B9E}" type="presOf" srcId="{06FF7EEB-65A0-48F5-971F-04D3F5803B74}" destId="{BCBE62D5-D7C2-41AF-858D-472140F6A0FA}" srcOrd="0" destOrd="0" presId="urn:microsoft.com/office/officeart/2005/8/layout/hProcess11"/>
+    <dgm:cxn modelId="{13413746-7AB1-468B-8F8E-D08D2208425C}" srcId="{06FF7EEB-65A0-48F5-971F-04D3F5803B74}" destId="{7B0E20A8-1A01-4C33-90E3-D8DCB268C033}" srcOrd="5" destOrd="0" parTransId="{F5E640E4-89FD-446F-9F9E-93D978AD1E27}" sibTransId="{B8CB5B15-847C-49CE-B510-A7C7C46AB3C4}"/>
     <dgm:cxn modelId="{58F4FCDB-FC1E-412B-A1E9-3DCCAE64CBCC}" type="presOf" srcId="{CC682701-B845-421D-AFB3-455DCB0F76E3}" destId="{9A5F36CF-6536-4935-8B2C-17888235565F}" srcOrd="0" destOrd="0" presId="urn:microsoft.com/office/officeart/2005/8/layout/hProcess11"/>
-    <dgm:cxn modelId="{13413746-7AB1-468B-8F8E-D08D2208425C}" srcId="{06FF7EEB-65A0-48F5-971F-04D3F5803B74}" destId="{7B0E20A8-1A01-4C33-90E3-D8DCB268C033}" srcOrd="5" destOrd="0" parTransId="{F5E640E4-89FD-446F-9F9E-93D978AD1E27}" sibTransId="{B8CB5B15-847C-49CE-B510-A7C7C46AB3C4}"/>
     <dgm:cxn modelId="{FFD9C951-EBBB-4B62-960B-006D17C5C0C5}" srcId="{E2901A42-498A-44C4-9CB8-4358A1F4C2F1}" destId="{CC682701-B845-421D-AFB3-455DCB0F76E3}" srcOrd="3" destOrd="0" parTransId="{A1C3ECA8-739C-4C93-B43F-F4811DECF0BE}" sibTransId="{2E0E2DE1-4827-42B3-AD1C-B0C3FF3B9DA0}"/>
     <dgm:cxn modelId="{AA71358F-2316-40B2-A2AF-1BA1EC27DBF0}" srcId="{06FF7EEB-65A0-48F5-971F-04D3F5803B74}" destId="{3BF44555-8D7F-4800-A601-0E3383801B2B}" srcOrd="0" destOrd="0" parTransId="{3331CA1F-FA3C-4FF4-ABF9-225D6AE40CA5}" sibTransId="{B7E7C822-1153-438B-8896-43FEB83554BF}"/>
     <dgm:cxn modelId="{577C9C05-33EB-44F8-91DD-0BF885FD6104}" type="presOf" srcId="{A0AE1236-4AC8-4C8E-B463-AFFB9494E867}" destId="{3BCC6BC2-FF4C-4C2D-9B27-29121AA009E5}" srcOrd="0" destOrd="1" presId="urn:microsoft.com/office/officeart/2005/8/layout/hProcess11"/>
@@ -7075,568 +7075,6 @@
       <dsp:cNvGrpSpPr/>
     </dsp:nvGrpSpPr>
     <dsp:grpSpPr/>
-    <dsp:sp modelId="{94D9AC6D-900E-4B79-A8D2-24B82F01266C}">
-      <dsp:nvSpPr>
-        <dsp:cNvPr id="0" name=""/>
-        <dsp:cNvSpPr/>
-      </dsp:nvSpPr>
-      <dsp:spPr>
-        <a:xfrm>
-          <a:off x="0" y="1062513"/>
-          <a:ext cx="9906000" cy="1416684"/>
-        </a:xfrm>
-        <a:prstGeom prst="notchedRightArrow">
-          <a:avLst/>
-        </a:prstGeom>
-        <a:solidFill>
-          <a:schemeClr val="accent3">
-            <a:tint val="40000"/>
-            <a:hueOff val="0"/>
-            <a:satOff val="0"/>
-            <a:lumOff val="0"/>
-            <a:alphaOff val="0"/>
-          </a:schemeClr>
-        </a:solidFill>
-        <a:ln>
-          <a:noFill/>
-        </a:ln>
-        <a:effectLst/>
-      </dsp:spPr>
-      <dsp:style>
-        <a:lnRef idx="0">
-          <a:scrgbClr r="0" g="0" b="0"/>
-        </a:lnRef>
-        <a:fillRef idx="1">
-          <a:scrgbClr r="0" g="0" b="0"/>
-        </a:fillRef>
-        <a:effectRef idx="0">
-          <a:scrgbClr r="0" g="0" b="0"/>
-        </a:effectRef>
-        <a:fontRef idx="minor"/>
-      </dsp:style>
-    </dsp:sp>
-    <dsp:sp modelId="{DD97B0D6-73CD-40C9-8E26-81C761C873D5}">
-      <dsp:nvSpPr>
-        <dsp:cNvPr id="0" name=""/>
-        <dsp:cNvSpPr/>
-      </dsp:nvSpPr>
-      <dsp:spPr>
-        <a:xfrm>
-          <a:off x="4353" y="0"/>
-          <a:ext cx="2873126" cy="1416684"/>
-        </a:xfrm>
-        <a:prstGeom prst="rect">
-          <a:avLst/>
-        </a:prstGeom>
-        <a:noFill/>
-        <a:ln>
-          <a:noFill/>
-        </a:ln>
-        <a:effectLst/>
-      </dsp:spPr>
-      <dsp:style>
-        <a:lnRef idx="0">
-          <a:scrgbClr r="0" g="0" b="0"/>
-        </a:lnRef>
-        <a:fillRef idx="0">
-          <a:scrgbClr r="0" g="0" b="0"/>
-        </a:fillRef>
-        <a:effectRef idx="0">
-          <a:scrgbClr r="0" g="0" b="0"/>
-        </a:effectRef>
-        <a:fontRef idx="minor"/>
-      </dsp:style>
-      <dsp:txBody>
-        <a:bodyPr spcFirstLastPara="0" vert="horz" wrap="square" lIns="99568" tIns="99568" rIns="99568" bIns="99568" numCol="1" spcCol="1270" anchor="b" anchorCtr="1">
-          <a:noAutofit/>
-        </a:bodyPr>
-        <a:lstStyle/>
-        <a:p>
-          <a:pPr lvl="0" algn="l" defTabSz="622300">
-            <a:lnSpc>
-              <a:spcPct val="90000"/>
-            </a:lnSpc>
-            <a:spcBef>
-              <a:spcPct val="0"/>
-            </a:spcBef>
-            <a:spcAft>
-              <a:spcPct val="35000"/>
-            </a:spcAft>
-          </a:pPr>
-          <a:r>
-            <a:rPr lang="pt-BR" sz="1400" kern="1200" dirty="0" smtClean="0"/>
-            <a:t>1977</a:t>
-          </a:r>
-          <a:endParaRPr lang="pt-BR" sz="1400" kern="1200" dirty="0"/>
-        </a:p>
-        <a:p>
-          <a:pPr marL="57150" lvl="1" indent="-57150" algn="l" defTabSz="488950">
-            <a:lnSpc>
-              <a:spcPct val="90000"/>
-            </a:lnSpc>
-            <a:spcBef>
-              <a:spcPct val="0"/>
-            </a:spcBef>
-            <a:spcAft>
-              <a:spcPct val="15000"/>
-            </a:spcAft>
-            <a:buChar char="••"/>
-          </a:pPr>
-          <a:r>
-            <a:rPr lang="pt-BR" sz="1100" kern="1200" dirty="0" err="1" smtClean="0"/>
-            <a:t>Chritopher</a:t>
-          </a:r>
-          <a:r>
-            <a:rPr lang="pt-BR" sz="1100" kern="1200" dirty="0" smtClean="0"/>
-            <a:t> </a:t>
-          </a:r>
-          <a:r>
-            <a:rPr lang="pt-BR" sz="1100" kern="1200" dirty="0" err="1" smtClean="0"/>
-            <a:t>alexander</a:t>
-          </a:r>
-          <a:endParaRPr lang="pt-BR" sz="1100" kern="1200" dirty="0"/>
-        </a:p>
-      </dsp:txBody>
-      <dsp:txXfrm>
-        <a:off x="4353" y="0"/>
-        <a:ext cx="2873126" cy="1416684"/>
-      </dsp:txXfrm>
-    </dsp:sp>
-    <dsp:sp modelId="{2F984FC3-A0B3-4828-9632-0CD9718624E8}">
-      <dsp:nvSpPr>
-        <dsp:cNvPr id="0" name=""/>
-        <dsp:cNvSpPr/>
-      </dsp:nvSpPr>
-      <dsp:spPr>
-        <a:xfrm>
-          <a:off x="1263831" y="1593770"/>
-          <a:ext cx="354171" cy="354171"/>
-        </a:xfrm>
-        <a:prstGeom prst="ellipse">
-          <a:avLst/>
-        </a:prstGeom>
-        <a:solidFill>
-          <a:schemeClr val="accent3">
-            <a:hueOff val="0"/>
-            <a:satOff val="0"/>
-            <a:lumOff val="0"/>
-            <a:alphaOff val="0"/>
-          </a:schemeClr>
-        </a:solidFill>
-        <a:ln w="15875" cap="flat" cmpd="sng" algn="ctr">
-          <a:solidFill>
-            <a:schemeClr val="lt1">
-              <a:hueOff val="0"/>
-              <a:satOff val="0"/>
-              <a:lumOff val="0"/>
-              <a:alphaOff val="0"/>
-            </a:schemeClr>
-          </a:solidFill>
-          <a:prstDash val="solid"/>
-        </a:ln>
-        <a:effectLst/>
-      </dsp:spPr>
-      <dsp:style>
-        <a:lnRef idx="2">
-          <a:scrgbClr r="0" g="0" b="0"/>
-        </a:lnRef>
-        <a:fillRef idx="1">
-          <a:scrgbClr r="0" g="0" b="0"/>
-        </a:fillRef>
-        <a:effectRef idx="0">
-          <a:scrgbClr r="0" g="0" b="0"/>
-        </a:effectRef>
-        <a:fontRef idx="minor">
-          <a:schemeClr val="lt1"/>
-        </a:fontRef>
-      </dsp:style>
-    </dsp:sp>
-    <dsp:sp modelId="{3BCC6BC2-FF4C-4C2D-9B27-29121AA009E5}">
-      <dsp:nvSpPr>
-        <dsp:cNvPr id="0" name=""/>
-        <dsp:cNvSpPr/>
-      </dsp:nvSpPr>
-      <dsp:spPr>
-        <a:xfrm>
-          <a:off x="3021136" y="2125027"/>
-          <a:ext cx="2873126" cy="1416684"/>
-        </a:xfrm>
-        <a:prstGeom prst="rect">
-          <a:avLst/>
-        </a:prstGeom>
-        <a:noFill/>
-        <a:ln>
-          <a:noFill/>
-        </a:ln>
-        <a:effectLst/>
-      </dsp:spPr>
-      <dsp:style>
-        <a:lnRef idx="0">
-          <a:scrgbClr r="0" g="0" b="0"/>
-        </a:lnRef>
-        <a:fillRef idx="0">
-          <a:scrgbClr r="0" g="0" b="0"/>
-        </a:fillRef>
-        <a:effectRef idx="0">
-          <a:scrgbClr r="0" g="0" b="0"/>
-        </a:effectRef>
-        <a:fontRef idx="minor"/>
-      </dsp:style>
-      <dsp:txBody>
-        <a:bodyPr spcFirstLastPara="0" vert="horz" wrap="square" lIns="99568" tIns="99568" rIns="99568" bIns="99568" numCol="1" spcCol="1270" anchor="t" anchorCtr="1">
-          <a:noAutofit/>
-        </a:bodyPr>
-        <a:lstStyle/>
-        <a:p>
-          <a:pPr lvl="0" algn="l" defTabSz="622300">
-            <a:lnSpc>
-              <a:spcPct val="90000"/>
-            </a:lnSpc>
-            <a:spcBef>
-              <a:spcPct val="0"/>
-            </a:spcBef>
-            <a:spcAft>
-              <a:spcPct val="35000"/>
-            </a:spcAft>
-          </a:pPr>
-          <a:r>
-            <a:rPr lang="pt-BR" sz="1400" kern="1200" dirty="0" smtClean="0"/>
-            <a:t>1987</a:t>
-          </a:r>
-          <a:endParaRPr lang="pt-BR" sz="1400" kern="1200" dirty="0"/>
-        </a:p>
-        <a:p>
-          <a:pPr marL="57150" lvl="1" indent="-57150" algn="l" defTabSz="488950">
-            <a:lnSpc>
-              <a:spcPct val="90000"/>
-            </a:lnSpc>
-            <a:spcBef>
-              <a:spcPct val="0"/>
-            </a:spcBef>
-            <a:spcAft>
-              <a:spcPct val="15000"/>
-            </a:spcAft>
-            <a:buChar char="••"/>
-          </a:pPr>
-          <a:r>
-            <a:rPr lang="pt-BR" sz="1100" kern="1200" dirty="0" smtClean="0"/>
-            <a:t>Kent Back</a:t>
-          </a:r>
-          <a:endParaRPr lang="pt-BR" sz="1100" kern="1200" dirty="0"/>
-        </a:p>
-        <a:p>
-          <a:pPr marL="57150" lvl="1" indent="-57150" algn="l" defTabSz="488950">
-            <a:lnSpc>
-              <a:spcPct val="90000"/>
-            </a:lnSpc>
-            <a:spcBef>
-              <a:spcPct val="0"/>
-            </a:spcBef>
-            <a:spcAft>
-              <a:spcPct val="15000"/>
-            </a:spcAft>
-            <a:buChar char="••"/>
-          </a:pPr>
-          <a:r>
-            <a:rPr lang="pt-BR" sz="1100" kern="1200" dirty="0" smtClean="0"/>
-            <a:t>Ward Cunningham</a:t>
-          </a:r>
-          <a:endParaRPr lang="pt-BR" sz="1100" kern="1200" dirty="0"/>
-        </a:p>
-      </dsp:txBody>
-      <dsp:txXfrm>
-        <a:off x="3021136" y="2125027"/>
-        <a:ext cx="2873126" cy="1416684"/>
-      </dsp:txXfrm>
-    </dsp:sp>
-    <dsp:sp modelId="{AB5E3ECA-22EF-4367-8AA1-377DE8006EF9}">
-      <dsp:nvSpPr>
-        <dsp:cNvPr id="0" name=""/>
-        <dsp:cNvSpPr/>
-      </dsp:nvSpPr>
-      <dsp:spPr>
-        <a:xfrm>
-          <a:off x="4280614" y="1593770"/>
-          <a:ext cx="354171" cy="354171"/>
-        </a:xfrm>
-        <a:prstGeom prst="ellipse">
-          <a:avLst/>
-        </a:prstGeom>
-        <a:solidFill>
-          <a:schemeClr val="accent3">
-            <a:hueOff val="0"/>
-            <a:satOff val="0"/>
-            <a:lumOff val="0"/>
-            <a:alphaOff val="0"/>
-          </a:schemeClr>
-        </a:solidFill>
-        <a:ln w="15875" cap="flat" cmpd="sng" algn="ctr">
-          <a:solidFill>
-            <a:schemeClr val="lt1">
-              <a:hueOff val="0"/>
-              <a:satOff val="0"/>
-              <a:lumOff val="0"/>
-              <a:alphaOff val="0"/>
-            </a:schemeClr>
-          </a:solidFill>
-          <a:prstDash val="solid"/>
-        </a:ln>
-        <a:effectLst/>
-      </dsp:spPr>
-      <dsp:style>
-        <a:lnRef idx="2">
-          <a:scrgbClr r="0" g="0" b="0"/>
-        </a:lnRef>
-        <a:fillRef idx="1">
-          <a:scrgbClr r="0" g="0" b="0"/>
-        </a:fillRef>
-        <a:effectRef idx="0">
-          <a:scrgbClr r="0" g="0" b="0"/>
-        </a:effectRef>
-        <a:fontRef idx="minor">
-          <a:schemeClr val="lt1"/>
-        </a:fontRef>
-      </dsp:style>
-    </dsp:sp>
-    <dsp:sp modelId="{BCBE62D5-D7C2-41AF-858D-472140F6A0FA}">
-      <dsp:nvSpPr>
-        <dsp:cNvPr id="0" name=""/>
-        <dsp:cNvSpPr/>
-      </dsp:nvSpPr>
-      <dsp:spPr>
-        <a:xfrm>
-          <a:off x="6037919" y="0"/>
-          <a:ext cx="2873126" cy="1416684"/>
-        </a:xfrm>
-        <a:prstGeom prst="rect">
-          <a:avLst/>
-        </a:prstGeom>
-        <a:noFill/>
-        <a:ln>
-          <a:noFill/>
-        </a:ln>
-        <a:effectLst/>
-      </dsp:spPr>
-      <dsp:style>
-        <a:lnRef idx="0">
-          <a:scrgbClr r="0" g="0" b="0"/>
-        </a:lnRef>
-        <a:fillRef idx="0">
-          <a:scrgbClr r="0" g="0" b="0"/>
-        </a:fillRef>
-        <a:effectRef idx="0">
-          <a:scrgbClr r="0" g="0" b="0"/>
-        </a:effectRef>
-        <a:fontRef idx="minor"/>
-      </dsp:style>
-      <dsp:txBody>
-        <a:bodyPr spcFirstLastPara="0" vert="horz" wrap="square" lIns="99568" tIns="99568" rIns="99568" bIns="99568" numCol="1" spcCol="1270" anchor="b" anchorCtr="1">
-          <a:noAutofit/>
-        </a:bodyPr>
-        <a:lstStyle/>
-        <a:p>
-          <a:pPr lvl="0" algn="l" defTabSz="622300">
-            <a:lnSpc>
-              <a:spcPct val="90000"/>
-            </a:lnSpc>
-            <a:spcBef>
-              <a:spcPct val="0"/>
-            </a:spcBef>
-            <a:spcAft>
-              <a:spcPct val="35000"/>
-            </a:spcAft>
-          </a:pPr>
-          <a:r>
-            <a:rPr lang="pt-BR" sz="1400" kern="1200" dirty="0" smtClean="0"/>
-            <a:t>1995</a:t>
-          </a:r>
-          <a:endParaRPr lang="pt-BR" sz="1400" kern="1200" dirty="0"/>
-        </a:p>
-        <a:p>
-          <a:pPr marL="57150" lvl="1" indent="-57150" algn="l" defTabSz="488950">
-            <a:lnSpc>
-              <a:spcPct val="90000"/>
-            </a:lnSpc>
-            <a:spcBef>
-              <a:spcPct val="0"/>
-            </a:spcBef>
-            <a:spcAft>
-              <a:spcPct val="15000"/>
-            </a:spcAft>
-            <a:buChar char="••"/>
-          </a:pPr>
-          <a:r>
-            <a:rPr lang="pt-BR" sz="1100" kern="1200" dirty="0" smtClean="0"/>
-            <a:t>Eric </a:t>
-          </a:r>
-          <a:r>
-            <a:rPr lang="pt-BR" sz="1100" kern="1200" dirty="0" err="1" smtClean="0"/>
-            <a:t>Gamma</a:t>
-          </a:r>
-          <a:endParaRPr lang="pt-BR" sz="1100" kern="1200" dirty="0"/>
-        </a:p>
-        <a:p>
-          <a:pPr marL="57150" lvl="1" indent="-57150" algn="l" defTabSz="488950">
-            <a:lnSpc>
-              <a:spcPct val="90000"/>
-            </a:lnSpc>
-            <a:spcBef>
-              <a:spcPct val="0"/>
-            </a:spcBef>
-            <a:spcAft>
-              <a:spcPct val="15000"/>
-            </a:spcAft>
-            <a:buChar char="••"/>
-          </a:pPr>
-          <a:r>
-            <a:rPr lang="pt-BR" sz="1100" kern="1200" dirty="0" smtClean="0"/>
-            <a:t>Richard </a:t>
-          </a:r>
-          <a:r>
-            <a:rPr lang="pt-BR" sz="1100" kern="1200" dirty="0" err="1" smtClean="0"/>
-            <a:t>Helm</a:t>
-          </a:r>
-          <a:endParaRPr lang="pt-BR" sz="1100" kern="1200" dirty="0"/>
-        </a:p>
-        <a:p>
-          <a:pPr marL="57150" lvl="1" indent="-57150" algn="l" defTabSz="488950">
-            <a:lnSpc>
-              <a:spcPct val="90000"/>
-            </a:lnSpc>
-            <a:spcBef>
-              <a:spcPct val="0"/>
-            </a:spcBef>
-            <a:spcAft>
-              <a:spcPct val="15000"/>
-            </a:spcAft>
-            <a:buChar char="••"/>
-          </a:pPr>
-          <a:r>
-            <a:rPr lang="pt-BR" sz="1100" kern="1200" dirty="0" smtClean="0"/>
-            <a:t>Ralph </a:t>
-          </a:r>
-          <a:r>
-            <a:rPr lang="pt-BR" sz="1100" kern="1200" dirty="0" err="1" smtClean="0"/>
-            <a:t>jhonson</a:t>
-          </a:r>
-          <a:r>
-            <a:rPr lang="pt-BR" sz="1100" kern="1200" dirty="0" smtClean="0"/>
-            <a:t> e</a:t>
-          </a:r>
-          <a:endParaRPr lang="pt-BR" sz="1100" kern="1200" dirty="0"/>
-        </a:p>
-        <a:p>
-          <a:pPr marL="57150" lvl="1" indent="-57150" algn="l" defTabSz="488950">
-            <a:lnSpc>
-              <a:spcPct val="90000"/>
-            </a:lnSpc>
-            <a:spcBef>
-              <a:spcPct val="0"/>
-            </a:spcBef>
-            <a:spcAft>
-              <a:spcPct val="15000"/>
-            </a:spcAft>
-            <a:buChar char="••"/>
-          </a:pPr>
-          <a:r>
-            <a:rPr lang="pt-BR" sz="1100" kern="1200" dirty="0" smtClean="0"/>
-            <a:t>John </a:t>
-          </a:r>
-          <a:r>
-            <a:rPr lang="pt-BR" sz="1100" kern="1200" dirty="0" err="1" smtClean="0"/>
-            <a:t>Vlissides</a:t>
-          </a:r>
-          <a:endParaRPr lang="pt-BR" sz="1100" kern="1200" dirty="0"/>
-        </a:p>
-        <a:p>
-          <a:pPr marL="57150" lvl="1" indent="-57150" algn="l" defTabSz="488950">
-            <a:lnSpc>
-              <a:spcPct val="90000"/>
-            </a:lnSpc>
-            <a:spcBef>
-              <a:spcPct val="0"/>
-            </a:spcBef>
-            <a:spcAft>
-              <a:spcPct val="15000"/>
-            </a:spcAft>
-            <a:buChar char="••"/>
-          </a:pPr>
-          <a:r>
-            <a:rPr lang="pt-BR" sz="1100" kern="1200" dirty="0" smtClean="0"/>
-            <a:t>(GANG OF FOUR)</a:t>
-          </a:r>
-          <a:endParaRPr lang="pt-BR" sz="1100" kern="1200" dirty="0"/>
-        </a:p>
-        <a:p>
-          <a:pPr marL="57150" lvl="1" indent="-57150" algn="l" defTabSz="488950">
-            <a:lnSpc>
-              <a:spcPct val="90000"/>
-            </a:lnSpc>
-            <a:spcBef>
-              <a:spcPct val="0"/>
-            </a:spcBef>
-            <a:spcAft>
-              <a:spcPct val="15000"/>
-            </a:spcAft>
-            <a:buChar char="••"/>
-          </a:pPr>
-          <a:endParaRPr lang="pt-BR" sz="1100" kern="1200" dirty="0"/>
-        </a:p>
-      </dsp:txBody>
-      <dsp:txXfrm>
-        <a:off x="6037919" y="0"/>
-        <a:ext cx="2873126" cy="1416684"/>
-      </dsp:txXfrm>
-    </dsp:sp>
-    <dsp:sp modelId="{13289A45-7C74-446B-9ECB-EA74FEBB90F1}">
-      <dsp:nvSpPr>
-        <dsp:cNvPr id="0" name=""/>
-        <dsp:cNvSpPr/>
-      </dsp:nvSpPr>
-      <dsp:spPr>
-        <a:xfrm>
-          <a:off x="7297397" y="1593770"/>
-          <a:ext cx="354171" cy="354171"/>
-        </a:xfrm>
-        <a:prstGeom prst="ellipse">
-          <a:avLst/>
-        </a:prstGeom>
-        <a:solidFill>
-          <a:schemeClr val="accent3">
-            <a:hueOff val="0"/>
-            <a:satOff val="0"/>
-            <a:lumOff val="0"/>
-            <a:alphaOff val="0"/>
-          </a:schemeClr>
-        </a:solidFill>
-        <a:ln w="15875" cap="flat" cmpd="sng" algn="ctr">
-          <a:solidFill>
-            <a:schemeClr val="lt1">
-              <a:hueOff val="0"/>
-              <a:satOff val="0"/>
-              <a:lumOff val="0"/>
-              <a:alphaOff val="0"/>
-            </a:schemeClr>
-          </a:solidFill>
-          <a:prstDash val="solid"/>
-        </a:ln>
-        <a:effectLst/>
-      </dsp:spPr>
-      <dsp:style>
-        <a:lnRef idx="2">
-          <a:scrgbClr r="0" g="0" b="0"/>
-        </a:lnRef>
-        <a:fillRef idx="1">
-          <a:scrgbClr r="0" g="0" b="0"/>
-        </a:fillRef>
-        <a:effectRef idx="0">
-          <a:scrgbClr r="0" g="0" b="0"/>
-        </a:effectRef>
-        <a:fontRef idx="minor">
-          <a:schemeClr val="lt1"/>
-        </a:fontRef>
-      </dsp:style>
-    </dsp:sp>
   </dsp:spTree>
 </dsp:drawing>
 </file>
@@ -15672,7 +15110,7 @@
           <a:noFill/>
           <a:extLst>
             <a:ext uri="{909E8E84-426E-40dd-AFC4-6F175D3DCCD1}">
-              <a14:hiddenFill xmlns="" xmlns:a14="http://schemas.microsoft.com/office/drawing/2010/main">
+              <a14:hiddenFill xmlns:a14="http://schemas.microsoft.com/office/drawing/2010/main" xmlns="">
                 <a:solidFill>
                   <a:srgbClr val="FFFFFF"/>
                 </a:solidFill>
@@ -15732,7 +15170,7 @@
             </a:ln>
             <a:extLst>
               <a:ext uri="{91240B29-F687-4f45-9708-019B960494DF}">
-                <a14:hiddenLine xmlns="" xmlns:a14="http://schemas.microsoft.com/office/drawing/2010/main" w="9525">
+                <a14:hiddenLine xmlns:a14="http://schemas.microsoft.com/office/drawing/2010/main" xmlns="" w="9525">
                   <a:solidFill>
                     <a:srgbClr val="000000"/>
                   </a:solidFill>
@@ -15822,7 +15260,7 @@
             </a:ln>
             <a:extLst>
               <a:ext uri="{91240B29-F687-4f45-9708-019B960494DF}">
-                <a14:hiddenLine xmlns="" xmlns:a14="http://schemas.microsoft.com/office/drawing/2010/main" w="9525">
+                <a14:hiddenLine xmlns:a14="http://schemas.microsoft.com/office/drawing/2010/main" xmlns="" w="9525">
                   <a:solidFill>
                     <a:srgbClr val="000000"/>
                   </a:solidFill>
@@ -15912,7 +15350,7 @@
             </a:ln>
             <a:extLst>
               <a:ext uri="{91240B29-F687-4f45-9708-019B960494DF}">
-                <a14:hiddenLine xmlns="" xmlns:a14="http://schemas.microsoft.com/office/drawing/2010/main" w="9525">
+                <a14:hiddenLine xmlns:a14="http://schemas.microsoft.com/office/drawing/2010/main" xmlns="" w="9525">
                   <a:solidFill>
                     <a:srgbClr val="000000"/>
                   </a:solidFill>
@@ -15946,7 +15384,7 @@
             </a:ln>
             <a:extLst>
               <a:ext uri="{91240B29-F687-4f45-9708-019B960494DF}">
-                <a14:hiddenLine xmlns="" xmlns:a14="http://schemas.microsoft.com/office/drawing/2010/main" w="9525">
+                <a14:hiddenLine xmlns:a14="http://schemas.microsoft.com/office/drawing/2010/main" xmlns="" w="9525">
                   <a:solidFill>
                     <a:srgbClr val="000000"/>
                   </a:solidFill>
@@ -16036,7 +15474,7 @@
             </a:ln>
             <a:extLst>
               <a:ext uri="{91240B29-F687-4f45-9708-019B960494DF}">
-                <a14:hiddenLine xmlns="" xmlns:a14="http://schemas.microsoft.com/office/drawing/2010/main" w="9525">
+                <a14:hiddenLine xmlns:a14="http://schemas.microsoft.com/office/drawing/2010/main" xmlns="" w="9525">
                   <a:solidFill>
                     <a:srgbClr val="000000"/>
                   </a:solidFill>
@@ -16098,7 +15536,7 @@
             </a:ln>
             <a:extLst>
               <a:ext uri="{91240B29-F687-4f45-9708-019B960494DF}">
-                <a14:hiddenLine xmlns="" xmlns:a14="http://schemas.microsoft.com/office/drawing/2010/main" w="9525">
+                <a14:hiddenLine xmlns:a14="http://schemas.microsoft.com/office/drawing/2010/main" xmlns="" w="9525">
                   <a:solidFill>
                     <a:srgbClr val="000000"/>
                   </a:solidFill>
@@ -16160,7 +15598,7 @@
             </a:ln>
             <a:extLst>
               <a:ext uri="{91240B29-F687-4f45-9708-019B960494DF}">
-                <a14:hiddenLine xmlns="" xmlns:a14="http://schemas.microsoft.com/office/drawing/2010/main" w="9525">
+                <a14:hiddenLine xmlns:a14="http://schemas.microsoft.com/office/drawing/2010/main" xmlns="" w="9525">
                   <a:solidFill>
                     <a:srgbClr val="000000"/>
                   </a:solidFill>
@@ -16250,7 +15688,7 @@
             </a:ln>
             <a:extLst>
               <a:ext uri="{91240B29-F687-4f45-9708-019B960494DF}">
-                <a14:hiddenLine xmlns="" xmlns:a14="http://schemas.microsoft.com/office/drawing/2010/main" w="9525">
+                <a14:hiddenLine xmlns:a14="http://schemas.microsoft.com/office/drawing/2010/main" xmlns="" w="9525">
                   <a:solidFill>
                     <a:srgbClr val="000000"/>
                   </a:solidFill>
@@ -16312,7 +15750,7 @@
             </a:ln>
             <a:extLst>
               <a:ext uri="{91240B29-F687-4f45-9708-019B960494DF}">
-                <a14:hiddenLine xmlns="" xmlns:a14="http://schemas.microsoft.com/office/drawing/2010/main" w="9525">
+                <a14:hiddenLine xmlns:a14="http://schemas.microsoft.com/office/drawing/2010/main" xmlns="" w="9525">
                   <a:solidFill>
                     <a:srgbClr val="000000"/>
                   </a:solidFill>
@@ -16374,7 +15812,7 @@
             </a:ln>
             <a:extLst>
               <a:ext uri="{91240B29-F687-4f45-9708-019B960494DF}">
-                <a14:hiddenLine xmlns="" xmlns:a14="http://schemas.microsoft.com/office/drawing/2010/main" w="9525">
+                <a14:hiddenLine xmlns:a14="http://schemas.microsoft.com/office/drawing/2010/main" xmlns="" w="9525">
                   <a:solidFill>
                     <a:srgbClr val="000000"/>
                   </a:solidFill>
@@ -16464,7 +15902,7 @@
             </a:ln>
             <a:extLst>
               <a:ext uri="{91240B29-F687-4f45-9708-019B960494DF}">
-                <a14:hiddenLine xmlns="" xmlns:a14="http://schemas.microsoft.com/office/drawing/2010/main" w="9525">
+                <a14:hiddenLine xmlns:a14="http://schemas.microsoft.com/office/drawing/2010/main" xmlns="" w="9525">
                   <a:solidFill>
                     <a:srgbClr val="000000"/>
                   </a:solidFill>
@@ -16554,7 +15992,7 @@
             </a:ln>
             <a:extLst>
               <a:ext uri="{91240B29-F687-4f45-9708-019B960494DF}">
-                <a14:hiddenLine xmlns="" xmlns:a14="http://schemas.microsoft.com/office/drawing/2010/main" w="9525">
+                <a14:hiddenLine xmlns:a14="http://schemas.microsoft.com/office/drawing/2010/main" xmlns="" w="9525">
                   <a:solidFill>
                     <a:srgbClr val="000000"/>
                   </a:solidFill>
@@ -16616,7 +16054,7 @@
             </a:ln>
             <a:extLst>
               <a:ext uri="{91240B29-F687-4f45-9708-019B960494DF}">
-                <a14:hiddenLine xmlns="" xmlns:a14="http://schemas.microsoft.com/office/drawing/2010/main" w="9525">
+                <a14:hiddenLine xmlns:a14="http://schemas.microsoft.com/office/drawing/2010/main" xmlns="" w="9525">
                   <a:solidFill>
                     <a:srgbClr val="000000"/>
                   </a:solidFill>
@@ -16726,7 +16164,7 @@
             </a:ln>
             <a:extLst>
               <a:ext uri="{91240B29-F687-4f45-9708-019B960494DF}">
-                <a14:hiddenLine xmlns="" xmlns:a14="http://schemas.microsoft.com/office/drawing/2010/main" w="9525">
+                <a14:hiddenLine xmlns:a14="http://schemas.microsoft.com/office/drawing/2010/main" xmlns="" w="9525">
                   <a:solidFill>
                     <a:srgbClr val="000000"/>
                   </a:solidFill>
@@ -16788,7 +16226,7 @@
             </a:ln>
             <a:extLst>
               <a:ext uri="{91240B29-F687-4f45-9708-019B960494DF}">
-                <a14:hiddenLine xmlns="" xmlns:a14="http://schemas.microsoft.com/office/drawing/2010/main" w="9525">
+                <a14:hiddenLine xmlns:a14="http://schemas.microsoft.com/office/drawing/2010/main" xmlns="" w="9525">
                   <a:solidFill>
                     <a:srgbClr val="000000"/>
                   </a:solidFill>
@@ -16878,7 +16316,7 @@
             </a:ln>
             <a:extLst>
               <a:ext uri="{91240B29-F687-4f45-9708-019B960494DF}">
-                <a14:hiddenLine xmlns="" xmlns:a14="http://schemas.microsoft.com/office/drawing/2010/main" w="9525">
+                <a14:hiddenLine xmlns:a14="http://schemas.microsoft.com/office/drawing/2010/main" xmlns="" w="9525">
                   <a:solidFill>
                     <a:srgbClr val="000000"/>
                   </a:solidFill>
@@ -16968,7 +16406,7 @@
             </a:ln>
             <a:extLst>
               <a:ext uri="{91240B29-F687-4f45-9708-019B960494DF}">
-                <a14:hiddenLine xmlns="" xmlns:a14="http://schemas.microsoft.com/office/drawing/2010/main" w="9525">
+                <a14:hiddenLine xmlns:a14="http://schemas.microsoft.com/office/drawing/2010/main" xmlns="" w="9525">
                   <a:solidFill>
                     <a:srgbClr val="000000"/>
                   </a:solidFill>
@@ -17030,7 +16468,7 @@
             </a:ln>
             <a:extLst>
               <a:ext uri="{91240B29-F687-4f45-9708-019B960494DF}">
-                <a14:hiddenLine xmlns="" xmlns:a14="http://schemas.microsoft.com/office/drawing/2010/main" w="9525">
+                <a14:hiddenLine xmlns:a14="http://schemas.microsoft.com/office/drawing/2010/main" xmlns="" w="9525">
                   <a:solidFill>
                     <a:srgbClr val="000000"/>
                   </a:solidFill>
@@ -17120,7 +16558,7 @@
             </a:ln>
             <a:extLst>
               <a:ext uri="{91240B29-F687-4f45-9708-019B960494DF}">
-                <a14:hiddenLine xmlns="" xmlns:a14="http://schemas.microsoft.com/office/drawing/2010/main" w="9525">
+                <a14:hiddenLine xmlns:a14="http://schemas.microsoft.com/office/drawing/2010/main" xmlns="" w="9525">
                   <a:solidFill>
                     <a:srgbClr val="000000"/>
                   </a:solidFill>
@@ -17210,7 +16648,7 @@
             </a:ln>
             <a:extLst>
               <a:ext uri="{91240B29-F687-4f45-9708-019B960494DF}">
-                <a14:hiddenLine xmlns="" xmlns:a14="http://schemas.microsoft.com/office/drawing/2010/main" w="9525">
+                <a14:hiddenLine xmlns:a14="http://schemas.microsoft.com/office/drawing/2010/main" xmlns="" w="9525">
                   <a:solidFill>
                     <a:srgbClr val="000000"/>
                   </a:solidFill>
@@ -17266,7 +16704,7 @@
             </a:ln>
             <a:extLst>
               <a:ext uri="{91240B29-F687-4f45-9708-019B960494DF}">
-                <a14:hiddenLine xmlns="" xmlns:a14="http://schemas.microsoft.com/office/drawing/2010/main" w="9525">
+                <a14:hiddenLine xmlns:a14="http://schemas.microsoft.com/office/drawing/2010/main" xmlns="" w="9525">
                   <a:solidFill>
                     <a:srgbClr val="000000"/>
                   </a:solidFill>
@@ -17356,7 +16794,7 @@
             </a:ln>
             <a:extLst>
               <a:ext uri="{91240B29-F687-4f45-9708-019B960494DF}">
-                <a14:hiddenLine xmlns="" xmlns:a14="http://schemas.microsoft.com/office/drawing/2010/main" w="9525">
+                <a14:hiddenLine xmlns:a14="http://schemas.microsoft.com/office/drawing/2010/main" xmlns="" w="9525">
                   <a:solidFill>
                     <a:srgbClr val="000000"/>
                   </a:solidFill>
@@ -17412,7 +16850,7 @@
             </a:ln>
             <a:extLst>
               <a:ext uri="{91240B29-F687-4f45-9708-019B960494DF}">
-                <a14:hiddenLine xmlns="" xmlns:a14="http://schemas.microsoft.com/office/drawing/2010/main" w="9525">
+                <a14:hiddenLine xmlns:a14="http://schemas.microsoft.com/office/drawing/2010/main" xmlns="" w="9525">
                   <a:solidFill>
                     <a:srgbClr val="000000"/>
                   </a:solidFill>
@@ -17502,7 +16940,7 @@
             </a:ln>
             <a:extLst>
               <a:ext uri="{91240B29-F687-4f45-9708-019B960494DF}">
-                <a14:hiddenLine xmlns="" xmlns:a14="http://schemas.microsoft.com/office/drawing/2010/main" w="9525">
+                <a14:hiddenLine xmlns:a14="http://schemas.microsoft.com/office/drawing/2010/main" xmlns="" w="9525">
                   <a:solidFill>
                     <a:srgbClr val="000000"/>
                   </a:solidFill>
@@ -17570,7 +17008,7 @@
             </a:ln>
             <a:extLst>
               <a:ext uri="{91240B29-F687-4f45-9708-019B960494DF}">
-                <a14:hiddenLine xmlns="" xmlns:a14="http://schemas.microsoft.com/office/drawing/2010/main" w="9525">
+                <a14:hiddenLine xmlns:a14="http://schemas.microsoft.com/office/drawing/2010/main" xmlns="" w="9525">
                   <a:solidFill>
                     <a:srgbClr val="000000"/>
                   </a:solidFill>
@@ -17660,7 +17098,7 @@
             </a:ln>
             <a:extLst>
               <a:ext uri="{91240B29-F687-4f45-9708-019B960494DF}">
-                <a14:hiddenLine xmlns="" xmlns:a14="http://schemas.microsoft.com/office/drawing/2010/main" w="9525">
+                <a14:hiddenLine xmlns:a14="http://schemas.microsoft.com/office/drawing/2010/main" xmlns="" w="9525">
                   <a:solidFill>
                     <a:srgbClr val="000000"/>
                   </a:solidFill>
@@ -17728,7 +17166,7 @@
             </a:ln>
             <a:extLst>
               <a:ext uri="{91240B29-F687-4f45-9708-019B960494DF}">
-                <a14:hiddenLine xmlns="" xmlns:a14="http://schemas.microsoft.com/office/drawing/2010/main" w="9525">
+                <a14:hiddenLine xmlns:a14="http://schemas.microsoft.com/office/drawing/2010/main" xmlns="" w="9525">
                   <a:solidFill>
                     <a:srgbClr val="000000"/>
                   </a:solidFill>
@@ -17818,7 +17256,7 @@
             </a:ln>
             <a:extLst>
               <a:ext uri="{91240B29-F687-4f45-9708-019B960494DF}">
-                <a14:hiddenLine xmlns="" xmlns:a14="http://schemas.microsoft.com/office/drawing/2010/main" w="9525">
+                <a14:hiddenLine xmlns:a14="http://schemas.microsoft.com/office/drawing/2010/main" xmlns="" w="9525">
                   <a:solidFill>
                     <a:srgbClr val="000000"/>
                   </a:solidFill>
@@ -17852,7 +17290,7 @@
             </a:ln>
             <a:extLst>
               <a:ext uri="{91240B29-F687-4f45-9708-019B960494DF}">
-                <a14:hiddenLine xmlns="" xmlns:a14="http://schemas.microsoft.com/office/drawing/2010/main" w="9525">
+                <a14:hiddenLine xmlns:a14="http://schemas.microsoft.com/office/drawing/2010/main" xmlns="" w="9525">
                   <a:solidFill>
                     <a:srgbClr val="000000"/>
                   </a:solidFill>
@@ -17942,7 +17380,7 @@
             </a:ln>
             <a:extLst>
               <a:ext uri="{91240B29-F687-4f45-9708-019B960494DF}">
-                <a14:hiddenLine xmlns="" xmlns:a14="http://schemas.microsoft.com/office/drawing/2010/main" w="9525">
+                <a14:hiddenLine xmlns:a14="http://schemas.microsoft.com/office/drawing/2010/main" xmlns="" w="9525">
                   <a:solidFill>
                     <a:srgbClr val="000000"/>
                   </a:solidFill>
@@ -18004,7 +17442,7 @@
             </a:ln>
             <a:extLst>
               <a:ext uri="{91240B29-F687-4f45-9708-019B960494DF}">
-                <a14:hiddenLine xmlns="" xmlns:a14="http://schemas.microsoft.com/office/drawing/2010/main" w="9525">
+                <a14:hiddenLine xmlns:a14="http://schemas.microsoft.com/office/drawing/2010/main" xmlns="" w="9525">
                   <a:solidFill>
                     <a:srgbClr val="000000"/>
                   </a:solidFill>
@@ -18066,7 +17504,7 @@
             </a:ln>
             <a:extLst>
               <a:ext uri="{91240B29-F687-4f45-9708-019B960494DF}">
-                <a14:hiddenLine xmlns="" xmlns:a14="http://schemas.microsoft.com/office/drawing/2010/main" w="9525">
+                <a14:hiddenLine xmlns:a14="http://schemas.microsoft.com/office/drawing/2010/main" xmlns="" w="9525">
                   <a:solidFill>
                     <a:srgbClr val="000000"/>
                   </a:solidFill>
@@ -18156,7 +17594,7 @@
             </a:ln>
             <a:extLst>
               <a:ext uri="{91240B29-F687-4f45-9708-019B960494DF}">
-                <a14:hiddenLine xmlns="" xmlns:a14="http://schemas.microsoft.com/office/drawing/2010/main" w="9525">
+                <a14:hiddenLine xmlns:a14="http://schemas.microsoft.com/office/drawing/2010/main" xmlns="" w="9525">
                   <a:solidFill>
                     <a:srgbClr val="000000"/>
                   </a:solidFill>
@@ -18224,7 +17662,7 @@
             </a:ln>
             <a:extLst>
               <a:ext uri="{91240B29-F687-4f45-9708-019B960494DF}">
-                <a14:hiddenLine xmlns="" xmlns:a14="http://schemas.microsoft.com/office/drawing/2010/main" w="9525">
+                <a14:hiddenLine xmlns:a14="http://schemas.microsoft.com/office/drawing/2010/main" xmlns="" w="9525">
                   <a:solidFill>
                     <a:srgbClr val="000000"/>
                   </a:solidFill>
@@ -18286,7 +17724,7 @@
             </a:ln>
             <a:extLst>
               <a:ext uri="{91240B29-F687-4f45-9708-019B960494DF}">
-                <a14:hiddenLine xmlns="" xmlns:a14="http://schemas.microsoft.com/office/drawing/2010/main" w="9525">
+                <a14:hiddenLine xmlns:a14="http://schemas.microsoft.com/office/drawing/2010/main" xmlns="" w="9525">
                   <a:solidFill>
                     <a:srgbClr val="000000"/>
                   </a:solidFill>
@@ -18376,7 +17814,7 @@
             </a:ln>
             <a:extLst>
               <a:ext uri="{91240B29-F687-4f45-9708-019B960494DF}">
-                <a14:hiddenLine xmlns="" xmlns:a14="http://schemas.microsoft.com/office/drawing/2010/main" w="9525">
+                <a14:hiddenLine xmlns:a14="http://schemas.microsoft.com/office/drawing/2010/main" xmlns="" w="9525">
                   <a:solidFill>
                     <a:srgbClr val="000000"/>
                   </a:solidFill>
@@ -18438,7 +17876,7 @@
             </a:ln>
             <a:extLst>
               <a:ext uri="{91240B29-F687-4f45-9708-019B960494DF}">
-                <a14:hiddenLine xmlns="" xmlns:a14="http://schemas.microsoft.com/office/drawing/2010/main" w="9525">
+                <a14:hiddenLine xmlns:a14="http://schemas.microsoft.com/office/drawing/2010/main" xmlns="" w="9525">
                   <a:solidFill>
                     <a:srgbClr val="000000"/>
                   </a:solidFill>
@@ -18528,7 +17966,7 @@
             </a:ln>
             <a:extLst>
               <a:ext uri="{91240B29-F687-4f45-9708-019B960494DF}">
-                <a14:hiddenLine xmlns="" xmlns:a14="http://schemas.microsoft.com/office/drawing/2010/main" w="9525">
+                <a14:hiddenLine xmlns:a14="http://schemas.microsoft.com/office/drawing/2010/main" xmlns="" w="9525">
                   <a:solidFill>
                     <a:srgbClr val="000000"/>
                   </a:solidFill>
@@ -18590,7 +18028,7 @@
             </a:ln>
             <a:extLst>
               <a:ext uri="{91240B29-F687-4f45-9708-019B960494DF}">
-                <a14:hiddenLine xmlns="" xmlns:a14="http://schemas.microsoft.com/office/drawing/2010/main" w="9525">
+                <a14:hiddenLine xmlns:a14="http://schemas.microsoft.com/office/drawing/2010/main" xmlns="" w="9525">
                   <a:solidFill>
                     <a:srgbClr val="000000"/>
                   </a:solidFill>
@@ -18680,7 +18118,7 @@
             </a:ln>
             <a:extLst>
               <a:ext uri="{91240B29-F687-4f45-9708-019B960494DF}">
-                <a14:hiddenLine xmlns="" xmlns:a14="http://schemas.microsoft.com/office/drawing/2010/main" w="9525">
+                <a14:hiddenLine xmlns:a14="http://schemas.microsoft.com/office/drawing/2010/main" xmlns="" w="9525">
                   <a:solidFill>
                     <a:srgbClr val="000000"/>
                   </a:solidFill>
@@ -18714,7 +18152,7 @@
             </a:ln>
             <a:extLst>
               <a:ext uri="{91240B29-F687-4f45-9708-019B960494DF}">
-                <a14:hiddenLine xmlns="" xmlns:a14="http://schemas.microsoft.com/office/drawing/2010/main" w="9525">
+                <a14:hiddenLine xmlns:a14="http://schemas.microsoft.com/office/drawing/2010/main" xmlns="" w="9525">
                   <a:solidFill>
                     <a:srgbClr val="000000"/>
                   </a:solidFill>
@@ -18779,7 +18217,7 @@
             </a:ln>
             <a:extLst>
               <a:ext uri="{91240B29-F687-4f45-9708-019B960494DF}">
-                <a14:hiddenLine xmlns="" xmlns:a14="http://schemas.microsoft.com/office/drawing/2010/main" w="9525">
+                <a14:hiddenLine xmlns:a14="http://schemas.microsoft.com/office/drawing/2010/main" xmlns="" w="9525">
                   <a:solidFill>
                     <a:srgbClr val="000000"/>
                   </a:solidFill>
@@ -18869,7 +18307,7 @@
             </a:ln>
             <a:extLst>
               <a:ext uri="{91240B29-F687-4f45-9708-019B960494DF}">
-                <a14:hiddenLine xmlns="" xmlns:a14="http://schemas.microsoft.com/office/drawing/2010/main" w="9525">
+                <a14:hiddenLine xmlns:a14="http://schemas.microsoft.com/office/drawing/2010/main" xmlns="" w="9525">
                   <a:solidFill>
                     <a:srgbClr val="000000"/>
                   </a:solidFill>
@@ -18931,7 +18369,7 @@
             </a:ln>
             <a:extLst>
               <a:ext uri="{91240B29-F687-4f45-9708-019B960494DF}">
-                <a14:hiddenLine xmlns="" xmlns:a14="http://schemas.microsoft.com/office/drawing/2010/main" w="9525">
+                <a14:hiddenLine xmlns:a14="http://schemas.microsoft.com/office/drawing/2010/main" xmlns="" w="9525">
                   <a:solidFill>
                     <a:srgbClr val="000000"/>
                   </a:solidFill>
@@ -19021,7 +18459,7 @@
             </a:ln>
             <a:extLst>
               <a:ext uri="{91240B29-F687-4f45-9708-019B960494DF}">
-                <a14:hiddenLine xmlns="" xmlns:a14="http://schemas.microsoft.com/office/drawing/2010/main" w="9525">
+                <a14:hiddenLine xmlns:a14="http://schemas.microsoft.com/office/drawing/2010/main" xmlns="" w="9525">
                   <a:solidFill>
                     <a:srgbClr val="000000"/>
                   </a:solidFill>
@@ -19111,7 +18549,7 @@
             </a:ln>
             <a:extLst>
               <a:ext uri="{91240B29-F687-4f45-9708-019B960494DF}">
-                <a14:hiddenLine xmlns="" xmlns:a14="http://schemas.microsoft.com/office/drawing/2010/main" w="9525">
+                <a14:hiddenLine xmlns:a14="http://schemas.microsoft.com/office/drawing/2010/main" xmlns="" w="9525">
                   <a:solidFill>
                     <a:srgbClr val="000000"/>
                   </a:solidFill>
@@ -19176,7 +18614,7 @@
             </a:ln>
             <a:extLst>
               <a:ext uri="{91240B29-F687-4f45-9708-019B960494DF}">
-                <a14:hiddenLine xmlns="" xmlns:a14="http://schemas.microsoft.com/office/drawing/2010/main" w="9525">
+                <a14:hiddenLine xmlns:a14="http://schemas.microsoft.com/office/drawing/2010/main" xmlns="" w="9525">
                   <a:solidFill>
                     <a:srgbClr val="000000"/>
                   </a:solidFill>
@@ -19238,7 +18676,7 @@
             </a:ln>
             <a:extLst>
               <a:ext uri="{91240B29-F687-4f45-9708-019B960494DF}">
-                <a14:hiddenLine xmlns="" xmlns:a14="http://schemas.microsoft.com/office/drawing/2010/main" w="9525">
+                <a14:hiddenLine xmlns:a14="http://schemas.microsoft.com/office/drawing/2010/main" xmlns="" w="9525">
                   <a:solidFill>
                     <a:srgbClr val="000000"/>
                   </a:solidFill>
@@ -19328,7 +18766,7 @@
             </a:ln>
             <a:extLst>
               <a:ext uri="{91240B29-F687-4f45-9708-019B960494DF}">
-                <a14:hiddenLine xmlns="" xmlns:a14="http://schemas.microsoft.com/office/drawing/2010/main" w="9525">
+                <a14:hiddenLine xmlns:a14="http://schemas.microsoft.com/office/drawing/2010/main" xmlns="" w="9525">
                   <a:solidFill>
                     <a:srgbClr val="000000"/>
                   </a:solidFill>
@@ -19418,7 +18856,7 @@
             </a:ln>
             <a:extLst>
               <a:ext uri="{91240B29-F687-4f45-9708-019B960494DF}">
-                <a14:hiddenLine xmlns="" xmlns:a14="http://schemas.microsoft.com/office/drawing/2010/main" w="9525">
+                <a14:hiddenLine xmlns:a14="http://schemas.microsoft.com/office/drawing/2010/main" xmlns="" w="9525">
                   <a:solidFill>
                     <a:srgbClr val="000000"/>
                   </a:solidFill>
@@ -19480,7 +18918,7 @@
             </a:ln>
             <a:extLst>
               <a:ext uri="{91240B29-F687-4f45-9708-019B960494DF}">
-                <a14:hiddenLine xmlns="" xmlns:a14="http://schemas.microsoft.com/office/drawing/2010/main" w="9525">
+                <a14:hiddenLine xmlns:a14="http://schemas.microsoft.com/office/drawing/2010/main" xmlns="" w="9525">
                   <a:solidFill>
                     <a:srgbClr val="000000"/>
                   </a:solidFill>
@@ -19600,7 +19038,7 @@
             </a:ln>
             <a:extLst>
               <a:ext uri="{91240B29-F687-4f45-9708-019B960494DF}">
-                <a14:hiddenLine xmlns="" xmlns:a14="http://schemas.microsoft.com/office/drawing/2010/main" w="9525">
+                <a14:hiddenLine xmlns:a14="http://schemas.microsoft.com/office/drawing/2010/main" xmlns="" w="9525">
                   <a:solidFill>
                     <a:srgbClr val="000000"/>
                   </a:solidFill>
@@ -19668,7 +19106,7 @@
             </a:ln>
             <a:extLst>
               <a:ext uri="{91240B29-F687-4f45-9708-019B960494DF}">
-                <a14:hiddenLine xmlns="" xmlns:a14="http://schemas.microsoft.com/office/drawing/2010/main" w="9525">
+                <a14:hiddenLine xmlns:a14="http://schemas.microsoft.com/office/drawing/2010/main" xmlns="" w="9525">
                   <a:solidFill>
                     <a:srgbClr val="000000"/>
                   </a:solidFill>
@@ -19758,7 +19196,7 @@
             </a:ln>
             <a:extLst>
               <a:ext uri="{91240B29-F687-4f45-9708-019B960494DF}">
-                <a14:hiddenLine xmlns="" xmlns:a14="http://schemas.microsoft.com/office/drawing/2010/main" w="9525">
+                <a14:hiddenLine xmlns:a14="http://schemas.microsoft.com/office/drawing/2010/main" xmlns="" w="9525">
                   <a:solidFill>
                     <a:srgbClr val="000000"/>
                   </a:solidFill>
@@ -24572,7 +24010,7 @@
           <a:noFill/>
           <a:extLst>
             <a:ext uri="{909E8E84-426E-40dd-AFC4-6F175D3DCCD1}">
-              <a14:hiddenFill xmlns="" xmlns:a14="http://schemas.microsoft.com/office/drawing/2010/main">
+              <a14:hiddenFill xmlns:a14="http://schemas.microsoft.com/office/drawing/2010/main" xmlns="">
                 <a:solidFill>
                   <a:srgbClr val="FFFFFF"/>
                 </a:solidFill>
@@ -24646,7 +24084,7 @@
               </a:ln>
               <a:extLst>
                 <a:ext uri="{91240B29-F687-4f45-9708-019B960494DF}">
-                  <a14:hiddenLine xmlns="" xmlns:a14="http://schemas.microsoft.com/office/drawing/2010/main" w="9525">
+                  <a14:hiddenLine xmlns:a14="http://schemas.microsoft.com/office/drawing/2010/main" xmlns="" w="9525">
                     <a:solidFill>
                       <a:srgbClr val="000000"/>
                     </a:solidFill>
@@ -24736,7 +24174,7 @@
               </a:ln>
               <a:extLst>
                 <a:ext uri="{91240B29-F687-4f45-9708-019B960494DF}">
-                  <a14:hiddenLine xmlns="" xmlns:a14="http://schemas.microsoft.com/office/drawing/2010/main" w="9525">
+                  <a14:hiddenLine xmlns:a14="http://schemas.microsoft.com/office/drawing/2010/main" xmlns="" w="9525">
                     <a:solidFill>
                       <a:srgbClr val="000000"/>
                     </a:solidFill>
@@ -24826,7 +24264,7 @@
               </a:ln>
               <a:extLst>
                 <a:ext uri="{91240B29-F687-4f45-9708-019B960494DF}">
-                  <a14:hiddenLine xmlns="" xmlns:a14="http://schemas.microsoft.com/office/drawing/2010/main" w="9525">
+                  <a14:hiddenLine xmlns:a14="http://schemas.microsoft.com/office/drawing/2010/main" xmlns="" w="9525">
                     <a:solidFill>
                       <a:srgbClr val="000000"/>
                     </a:solidFill>
@@ -24888,7 +24326,7 @@
               </a:ln>
               <a:extLst>
                 <a:ext uri="{91240B29-F687-4f45-9708-019B960494DF}">
-                  <a14:hiddenLine xmlns="" xmlns:a14="http://schemas.microsoft.com/office/drawing/2010/main" w="9525">
+                  <a14:hiddenLine xmlns:a14="http://schemas.microsoft.com/office/drawing/2010/main" xmlns="" w="9525">
                     <a:solidFill>
                       <a:srgbClr val="000000"/>
                     </a:solidFill>
@@ -24978,7 +24416,7 @@
               </a:ln>
               <a:extLst>
                 <a:ext uri="{91240B29-F687-4f45-9708-019B960494DF}">
-                  <a14:hiddenLine xmlns="" xmlns:a14="http://schemas.microsoft.com/office/drawing/2010/main" w="9525">
+                  <a14:hiddenLine xmlns:a14="http://schemas.microsoft.com/office/drawing/2010/main" xmlns="" w="9525">
                     <a:solidFill>
                       <a:srgbClr val="000000"/>
                     </a:solidFill>
@@ -25040,7 +24478,7 @@
               </a:ln>
               <a:extLst>
                 <a:ext uri="{91240B29-F687-4f45-9708-019B960494DF}">
-                  <a14:hiddenLine xmlns="" xmlns:a14="http://schemas.microsoft.com/office/drawing/2010/main" w="9525">
+                  <a14:hiddenLine xmlns:a14="http://schemas.microsoft.com/office/drawing/2010/main" xmlns="" w="9525">
                     <a:solidFill>
                       <a:srgbClr val="000000"/>
                     </a:solidFill>
@@ -25102,7 +24540,7 @@
               </a:ln>
               <a:extLst>
                 <a:ext uri="{91240B29-F687-4f45-9708-019B960494DF}">
-                  <a14:hiddenLine xmlns="" xmlns:a14="http://schemas.microsoft.com/office/drawing/2010/main" w="9525">
+                  <a14:hiddenLine xmlns:a14="http://schemas.microsoft.com/office/drawing/2010/main" xmlns="" w="9525">
                     <a:solidFill>
                       <a:srgbClr val="000000"/>
                     </a:solidFill>
@@ -25192,7 +24630,7 @@
               </a:ln>
               <a:extLst>
                 <a:ext uri="{91240B29-F687-4f45-9708-019B960494DF}">
-                  <a14:hiddenLine xmlns="" xmlns:a14="http://schemas.microsoft.com/office/drawing/2010/main" w="9525">
+                  <a14:hiddenLine xmlns:a14="http://schemas.microsoft.com/office/drawing/2010/main" xmlns="" w="9525">
                     <a:solidFill>
                       <a:srgbClr val="000000"/>
                     </a:solidFill>
@@ -25282,7 +24720,7 @@
               </a:ln>
               <a:extLst>
                 <a:ext uri="{91240B29-F687-4f45-9708-019B960494DF}">
-                  <a14:hiddenLine xmlns="" xmlns:a14="http://schemas.microsoft.com/office/drawing/2010/main" w="9525">
+                  <a14:hiddenLine xmlns:a14="http://schemas.microsoft.com/office/drawing/2010/main" xmlns="" w="9525">
                     <a:solidFill>
                       <a:srgbClr val="000000"/>
                     </a:solidFill>
@@ -25344,7 +24782,7 @@
               </a:ln>
               <a:extLst>
                 <a:ext uri="{91240B29-F687-4f45-9708-019B960494DF}">
-                  <a14:hiddenLine xmlns="" xmlns:a14="http://schemas.microsoft.com/office/drawing/2010/main" w="9525">
+                  <a14:hiddenLine xmlns:a14="http://schemas.microsoft.com/office/drawing/2010/main" xmlns="" w="9525">
                     <a:solidFill>
                       <a:srgbClr val="000000"/>
                     </a:solidFill>
@@ -25454,7 +24892,7 @@
               </a:ln>
               <a:extLst>
                 <a:ext uri="{91240B29-F687-4f45-9708-019B960494DF}">
-                  <a14:hiddenLine xmlns="" xmlns:a14="http://schemas.microsoft.com/office/drawing/2010/main" w="9525">
+                  <a14:hiddenLine xmlns:a14="http://schemas.microsoft.com/office/drawing/2010/main" xmlns="" w="9525">
                     <a:solidFill>
                       <a:srgbClr val="000000"/>
                     </a:solidFill>
@@ -25538,7 +24976,7 @@
               </a:ln>
               <a:extLst>
                 <a:ext uri="{91240B29-F687-4f45-9708-019B960494DF}">
-                  <a14:hiddenLine xmlns="" xmlns:a14="http://schemas.microsoft.com/office/drawing/2010/main" w="9525">
+                  <a14:hiddenLine xmlns:a14="http://schemas.microsoft.com/office/drawing/2010/main" xmlns="" w="9525">
                     <a:solidFill>
                       <a:srgbClr val="000000"/>
                     </a:solidFill>
@@ -25600,7 +25038,7 @@
               </a:ln>
               <a:extLst>
                 <a:ext uri="{91240B29-F687-4f45-9708-019B960494DF}">
-                  <a14:hiddenLine xmlns="" xmlns:a14="http://schemas.microsoft.com/office/drawing/2010/main" w="9525">
+                  <a14:hiddenLine xmlns:a14="http://schemas.microsoft.com/office/drawing/2010/main" xmlns="" w="9525">
                     <a:solidFill>
                       <a:srgbClr val="000000"/>
                     </a:solidFill>
@@ -25662,7 +25100,7 @@
               </a:ln>
               <a:extLst>
                 <a:ext uri="{91240B29-F687-4f45-9708-019B960494DF}">
-                  <a14:hiddenLine xmlns="" xmlns:a14="http://schemas.microsoft.com/office/drawing/2010/main" w="9525">
+                  <a14:hiddenLine xmlns:a14="http://schemas.microsoft.com/office/drawing/2010/main" xmlns="" w="9525">
                     <a:solidFill>
                       <a:srgbClr val="000000"/>
                     </a:solidFill>
@@ -25752,7 +25190,7 @@
               </a:ln>
               <a:extLst>
                 <a:ext uri="{91240B29-F687-4f45-9708-019B960494DF}">
-                  <a14:hiddenLine xmlns="" xmlns:a14="http://schemas.microsoft.com/office/drawing/2010/main" w="9525">
+                  <a14:hiddenLine xmlns:a14="http://schemas.microsoft.com/office/drawing/2010/main" xmlns="" w="9525">
                     <a:solidFill>
                       <a:srgbClr val="000000"/>
                     </a:solidFill>
@@ -25786,7 +25224,7 @@
               </a:ln>
               <a:extLst>
                 <a:ext uri="{91240B29-F687-4f45-9708-019B960494DF}">
-                  <a14:hiddenLine xmlns="" xmlns:a14="http://schemas.microsoft.com/office/drawing/2010/main" w="9525">
+                  <a14:hiddenLine xmlns:a14="http://schemas.microsoft.com/office/drawing/2010/main" xmlns="" w="9525">
                     <a:solidFill>
                       <a:srgbClr val="000000"/>
                     </a:solidFill>
@@ -25851,7 +25289,7 @@
               </a:ln>
               <a:extLst>
                 <a:ext uri="{91240B29-F687-4f45-9708-019B960494DF}">
-                  <a14:hiddenLine xmlns="" xmlns:a14="http://schemas.microsoft.com/office/drawing/2010/main" w="9525">
+                  <a14:hiddenLine xmlns:a14="http://schemas.microsoft.com/office/drawing/2010/main" xmlns="" w="9525">
                     <a:solidFill>
                       <a:srgbClr val="000000"/>
                     </a:solidFill>
@@ -25941,7 +25379,7 @@
               </a:ln>
               <a:extLst>
                 <a:ext uri="{91240B29-F687-4f45-9708-019B960494DF}">
-                  <a14:hiddenLine xmlns="" xmlns:a14="http://schemas.microsoft.com/office/drawing/2010/main" w="9525">
+                  <a14:hiddenLine xmlns:a14="http://schemas.microsoft.com/office/drawing/2010/main" xmlns="" w="9525">
                     <a:solidFill>
                       <a:srgbClr val="000000"/>
                     </a:solidFill>
@@ -26003,7 +25441,7 @@
               </a:ln>
               <a:extLst>
                 <a:ext uri="{91240B29-F687-4f45-9708-019B960494DF}">
-                  <a14:hiddenLine xmlns="" xmlns:a14="http://schemas.microsoft.com/office/drawing/2010/main" w="9525">
+                  <a14:hiddenLine xmlns:a14="http://schemas.microsoft.com/office/drawing/2010/main" xmlns="" w="9525">
                     <a:solidFill>
                       <a:srgbClr val="000000"/>
                     </a:solidFill>
@@ -26093,7 +25531,7 @@
               </a:ln>
               <a:extLst>
                 <a:ext uri="{91240B29-F687-4f45-9708-019B960494DF}">
-                  <a14:hiddenLine xmlns="" xmlns:a14="http://schemas.microsoft.com/office/drawing/2010/main" w="9525">
+                  <a14:hiddenLine xmlns:a14="http://schemas.microsoft.com/office/drawing/2010/main" xmlns="" w="9525">
                     <a:solidFill>
                       <a:srgbClr val="000000"/>
                     </a:solidFill>
@@ -26158,7 +25596,7 @@
               </a:ln>
               <a:extLst>
                 <a:ext uri="{91240B29-F687-4f45-9708-019B960494DF}">
-                  <a14:hiddenLine xmlns="" xmlns:a14="http://schemas.microsoft.com/office/drawing/2010/main" w="9525">
+                  <a14:hiddenLine xmlns:a14="http://schemas.microsoft.com/office/drawing/2010/main" xmlns="" w="9525">
                     <a:solidFill>
                       <a:srgbClr val="000000"/>
                     </a:solidFill>
@@ -26220,7 +25658,7 @@
               </a:ln>
               <a:extLst>
                 <a:ext uri="{91240B29-F687-4f45-9708-019B960494DF}">
-                  <a14:hiddenLine xmlns="" xmlns:a14="http://schemas.microsoft.com/office/drawing/2010/main" w="9525">
+                  <a14:hiddenLine xmlns:a14="http://schemas.microsoft.com/office/drawing/2010/main" xmlns="" w="9525">
                     <a:solidFill>
                       <a:srgbClr val="000000"/>
                     </a:solidFill>
@@ -26310,7 +25748,7 @@
               </a:ln>
               <a:extLst>
                 <a:ext uri="{91240B29-F687-4f45-9708-019B960494DF}">
-                  <a14:hiddenLine xmlns="" xmlns:a14="http://schemas.microsoft.com/office/drawing/2010/main" w="9525">
+                  <a14:hiddenLine xmlns:a14="http://schemas.microsoft.com/office/drawing/2010/main" xmlns="" w="9525">
                     <a:solidFill>
                       <a:srgbClr val="000000"/>
                     </a:solidFill>
@@ -26400,7 +25838,7 @@
               </a:ln>
               <a:extLst>
                 <a:ext uri="{91240B29-F687-4f45-9708-019B960494DF}">
-                  <a14:hiddenLine xmlns="" xmlns:a14="http://schemas.microsoft.com/office/drawing/2010/main" w="9525">
+                  <a14:hiddenLine xmlns:a14="http://schemas.microsoft.com/office/drawing/2010/main" xmlns="" w="9525">
                     <a:solidFill>
                       <a:srgbClr val="000000"/>
                     </a:solidFill>
@@ -26465,7 +25903,7 @@
               </a:ln>
               <a:extLst>
                 <a:ext uri="{91240B29-F687-4f45-9708-019B960494DF}">
-                  <a14:hiddenLine xmlns="" xmlns:a14="http://schemas.microsoft.com/office/drawing/2010/main" w="9525">
+                  <a14:hiddenLine xmlns:a14="http://schemas.microsoft.com/office/drawing/2010/main" xmlns="" w="9525">
                     <a:solidFill>
                       <a:srgbClr val="000000"/>
                     </a:solidFill>
@@ -26585,7 +26023,7 @@
               </a:ln>
               <a:extLst>
                 <a:ext uri="{91240B29-F687-4f45-9708-019B960494DF}">
-                  <a14:hiddenLine xmlns="" xmlns:a14="http://schemas.microsoft.com/office/drawing/2010/main" w="9525">
+                  <a14:hiddenLine xmlns:a14="http://schemas.microsoft.com/office/drawing/2010/main" xmlns="" w="9525">
                     <a:solidFill>
                       <a:srgbClr val="000000"/>
                     </a:solidFill>
@@ -26683,7 +26121,7 @@
               </a:ln>
               <a:extLst>
                 <a:ext uri="{91240B29-F687-4f45-9708-019B960494DF}">
-                  <a14:hiddenLine xmlns="" xmlns:a14="http://schemas.microsoft.com/office/drawing/2010/main" w="9525">
+                  <a14:hiddenLine xmlns:a14="http://schemas.microsoft.com/office/drawing/2010/main" xmlns="" w="9525">
                     <a:solidFill>
                       <a:srgbClr val="000000"/>
                     </a:solidFill>
@@ -26798,7 +26236,7 @@
               </a:ln>
               <a:extLst>
                 <a:ext uri="{91240B29-F687-4f45-9708-019B960494DF}">
-                  <a14:hiddenLine xmlns="" xmlns:a14="http://schemas.microsoft.com/office/drawing/2010/main" w="9525">
+                  <a14:hiddenLine xmlns:a14="http://schemas.microsoft.com/office/drawing/2010/main" xmlns="" w="9525">
                     <a:solidFill>
                       <a:srgbClr val="000000"/>
                     </a:solidFill>
@@ -26888,7 +26326,7 @@
               </a:ln>
               <a:extLst>
                 <a:ext uri="{91240B29-F687-4f45-9708-019B960494DF}">
-                  <a14:hiddenLine xmlns="" xmlns:a14="http://schemas.microsoft.com/office/drawing/2010/main" w="9525">
+                  <a14:hiddenLine xmlns:a14="http://schemas.microsoft.com/office/drawing/2010/main" xmlns="" w="9525">
                     <a:solidFill>
                       <a:srgbClr val="000000"/>
                     </a:solidFill>
@@ -26953,7 +26391,7 @@
               </a:ln>
               <a:extLst>
                 <a:ext uri="{91240B29-F687-4f45-9708-019B960494DF}">
-                  <a14:hiddenLine xmlns="" xmlns:a14="http://schemas.microsoft.com/office/drawing/2010/main" w="9525">
+                  <a14:hiddenLine xmlns:a14="http://schemas.microsoft.com/office/drawing/2010/main" xmlns="" w="9525">
                     <a:solidFill>
                       <a:srgbClr val="000000"/>
                     </a:solidFill>
@@ -27043,7 +26481,7 @@
               </a:ln>
               <a:extLst>
                 <a:ext uri="{91240B29-F687-4f45-9708-019B960494DF}">
-                  <a14:hiddenLine xmlns="" xmlns:a14="http://schemas.microsoft.com/office/drawing/2010/main" w="9525">
+                  <a14:hiddenLine xmlns:a14="http://schemas.microsoft.com/office/drawing/2010/main" xmlns="" w="9525">
                     <a:solidFill>
                       <a:srgbClr val="000000"/>
                     </a:solidFill>
@@ -27111,7 +26549,7 @@
               </a:ln>
               <a:extLst>
                 <a:ext uri="{91240B29-F687-4f45-9708-019B960494DF}">
-                  <a14:hiddenLine xmlns="" xmlns:a14="http://schemas.microsoft.com/office/drawing/2010/main" w="9525">
+                  <a14:hiddenLine xmlns:a14="http://schemas.microsoft.com/office/drawing/2010/main" xmlns="" w="9525">
                     <a:solidFill>
                       <a:srgbClr val="000000"/>
                     </a:solidFill>
@@ -27201,7 +26639,7 @@
               </a:ln>
               <a:extLst>
                 <a:ext uri="{91240B29-F687-4f45-9708-019B960494DF}">
-                  <a14:hiddenLine xmlns="" xmlns:a14="http://schemas.microsoft.com/office/drawing/2010/main" w="9525">
+                  <a14:hiddenLine xmlns:a14="http://schemas.microsoft.com/office/drawing/2010/main" xmlns="" w="9525">
                     <a:solidFill>
                       <a:srgbClr val="000000"/>
                     </a:solidFill>
@@ -27269,7 +26707,7 @@
               </a:ln>
               <a:extLst>
                 <a:ext uri="{91240B29-F687-4f45-9708-019B960494DF}">
-                  <a14:hiddenLine xmlns="" xmlns:a14="http://schemas.microsoft.com/office/drawing/2010/main" w="9525">
+                  <a14:hiddenLine xmlns:a14="http://schemas.microsoft.com/office/drawing/2010/main" xmlns="" w="9525">
                     <a:solidFill>
                       <a:srgbClr val="000000"/>
                     </a:solidFill>
@@ -27359,7 +26797,7 @@
               </a:ln>
               <a:extLst>
                 <a:ext uri="{91240B29-F687-4f45-9708-019B960494DF}">
-                  <a14:hiddenLine xmlns="" xmlns:a14="http://schemas.microsoft.com/office/drawing/2010/main" w="9525">
+                  <a14:hiddenLine xmlns:a14="http://schemas.microsoft.com/office/drawing/2010/main" xmlns="" w="9525">
                     <a:solidFill>
                       <a:srgbClr val="000000"/>
                     </a:solidFill>
@@ -27393,7 +26831,7 @@
               </a:ln>
               <a:extLst>
                 <a:ext uri="{91240B29-F687-4f45-9708-019B960494DF}">
-                  <a14:hiddenLine xmlns="" xmlns:a14="http://schemas.microsoft.com/office/drawing/2010/main" w="9525">
+                  <a14:hiddenLine xmlns:a14="http://schemas.microsoft.com/office/drawing/2010/main" xmlns="" w="9525">
                     <a:solidFill>
                       <a:srgbClr val="000000"/>
                     </a:solidFill>
@@ -31225,11 +30663,7 @@
           <a:p>
             <a:r>
               <a:rPr lang="pt-BR" dirty="0" smtClean="0"/>
-              <a:t>Padrões </a:t>
-            </a:r>
-            <a:r>
-              <a:rPr lang="pt-BR" dirty="0" smtClean="0"/>
-              <a:t>Comportamentais. </a:t>
+              <a:t>Padrões Comportamentais. </a:t>
             </a:r>
             <a:r>
               <a:rPr lang="pt-BR" dirty="0"/>
@@ -32007,7 +31441,7 @@
         <p:spPr>
           <a:xfrm>
             <a:off x="1856096" y="5162561"/>
-            <a:ext cx="2918299" cy="369332"/>
+            <a:ext cx="4587603" cy="369332"/>
           </a:xfrm>
           <a:prstGeom prst="rect">
             <a:avLst/>
@@ -32022,15 +31456,43 @@
           <a:p>
             <a:r>
               <a:rPr lang="pt-BR" dirty="0" smtClean="0"/>
-              <a:t>Relação: Composite e </a:t>
+              <a:t>Relação: </a:t>
+            </a:r>
+            <a:r>
+              <a:rPr lang="pt-BR" dirty="0" err="1" smtClean="0"/>
+              <a:t>Composite</a:t>
+            </a:r>
+            <a:r>
+              <a:rPr lang="pt-BR" dirty="0" smtClean="0"/>
+              <a:t>, </a:t>
+            </a:r>
+            <a:r>
+              <a:rPr lang="pt-BR" dirty="0" err="1" smtClean="0"/>
+              <a:t>Flyweight</a:t>
+            </a:r>
+            <a:r>
+              <a:rPr lang="pt-BR" dirty="0" smtClean="0"/>
+              <a:t>,</a:t>
+            </a:r>
+            <a:r>
+              <a:rPr lang="pt-BR" dirty="0" smtClean="0"/>
+              <a:t> </a:t>
+            </a:r>
+            <a:r>
+              <a:rPr lang="pt-BR" dirty="0" err="1" smtClean="0"/>
+              <a:t>Iterator</a:t>
+            </a:r>
+            <a:r>
+              <a:rPr lang="pt-BR" dirty="0" smtClean="0"/>
+              <a:t> e </a:t>
             </a:r>
             <a:r>
               <a:rPr lang="pt-BR" dirty="0"/>
-              <a:t>I</a:t>
+              <a:t>V</a:t>
             </a:r>
             <a:r>
               <a:rPr lang="pt-BR" dirty="0" smtClean="0"/>
-              <a:t>terator</a:t>
+              <a:t>isitor</a:t>
             </a:r>
             <a:endParaRPr lang="pt-BR" dirty="0"/>
           </a:p>
@@ -37534,7 +36996,7 @@
           <p:cNvPr id="2" name="Título 1">
             <a:extLst>
               <a:ext uri="{FF2B5EF4-FFF2-40B4-BE49-F238E27FC236}">
-                <a16:creationId xmlns="" xmlns:a16="http://schemas.microsoft.com/office/drawing/2014/main" id="{10AA3A6A-5AC3-453A-8315-04668BA1C361}"/>
+                <a16:creationId xmlns:a16="http://schemas.microsoft.com/office/drawing/2014/main" xmlns="" id="{10AA3A6A-5AC3-453A-8315-04668BA1C361}"/>
               </a:ext>
             </a:extLst>
           </p:cNvPr>
@@ -37562,7 +37024,7 @@
           <p:cNvPr id="3" name="Espaço Reservado para Conteúdo 2">
             <a:extLst>
               <a:ext uri="{FF2B5EF4-FFF2-40B4-BE49-F238E27FC236}">
-                <a16:creationId xmlns="" xmlns:a16="http://schemas.microsoft.com/office/drawing/2014/main" id="{BF0582C5-84D7-412F-944B-6C5E484810B5}"/>
+                <a16:creationId xmlns:a16="http://schemas.microsoft.com/office/drawing/2014/main" xmlns="" id="{BF0582C5-84D7-412F-944B-6C5E484810B5}"/>
               </a:ext>
             </a:extLst>
           </p:cNvPr>
@@ -37661,7 +37123,7 @@
           <p:cNvPr id="2" name="Título 1">
             <a:extLst>
               <a:ext uri="{FF2B5EF4-FFF2-40B4-BE49-F238E27FC236}">
-                <a16:creationId xmlns="" xmlns:a16="http://schemas.microsoft.com/office/drawing/2014/main" id="{6CCFA4DD-88A1-4033-BA87-A0B6A0B2869B}"/>
+                <a16:creationId xmlns:a16="http://schemas.microsoft.com/office/drawing/2014/main" xmlns="" id="{6CCFA4DD-88A1-4033-BA87-A0B6A0B2869B}"/>
               </a:ext>
             </a:extLst>
           </p:cNvPr>
@@ -37689,7 +37151,7 @@
           <p:cNvPr id="3" name="Espaço Reservado para Conteúdo 2">
             <a:extLst>
               <a:ext uri="{FF2B5EF4-FFF2-40B4-BE49-F238E27FC236}">
-                <a16:creationId xmlns="" xmlns:a16="http://schemas.microsoft.com/office/drawing/2014/main" id="{2AD50845-4496-4B43-8DBC-4DEB65D21135}"/>
+                <a16:creationId xmlns:a16="http://schemas.microsoft.com/office/drawing/2014/main" xmlns="" id="{2AD50845-4496-4B43-8DBC-4DEB65D21135}"/>
               </a:ext>
             </a:extLst>
           </p:cNvPr>
@@ -37791,7 +37253,7 @@
           <p:cNvPr id="2" name="Título 1">
             <a:extLst>
               <a:ext uri="{FF2B5EF4-FFF2-40B4-BE49-F238E27FC236}">
-                <a16:creationId xmlns="" xmlns:a16="http://schemas.microsoft.com/office/drawing/2014/main" id="{CFE57E97-7A71-4A9A-82E3-DD4E3BCA025F}"/>
+                <a16:creationId xmlns:a16="http://schemas.microsoft.com/office/drawing/2014/main" xmlns="" id="{CFE57E97-7A71-4A9A-82E3-DD4E3BCA025F}"/>
               </a:ext>
             </a:extLst>
           </p:cNvPr>
@@ -37819,7 +37281,7 @@
           <p:cNvPr id="5" name="Espaço Reservado para Conteúdo 4">
             <a:extLst>
               <a:ext uri="{FF2B5EF4-FFF2-40B4-BE49-F238E27FC236}">
-                <a16:creationId xmlns="" xmlns:a16="http://schemas.microsoft.com/office/drawing/2014/main" id="{0B0ADFE4-F916-419A-935C-BE05423364C4}"/>
+                <a16:creationId xmlns:a16="http://schemas.microsoft.com/office/drawing/2014/main" xmlns="" id="{0B0ADFE4-F916-419A-935C-BE05423364C4}"/>
               </a:ext>
             </a:extLst>
           </p:cNvPr>
@@ -37885,7 +37347,7 @@
           <p:cNvPr id="2" name="Título 1">
             <a:extLst>
               <a:ext uri="{FF2B5EF4-FFF2-40B4-BE49-F238E27FC236}">
-                <a16:creationId xmlns="" xmlns:a16="http://schemas.microsoft.com/office/drawing/2014/main" id="{5D731C0B-58A7-4D62-B6E5-E2A4E8DAE119}"/>
+                <a16:creationId xmlns:a16="http://schemas.microsoft.com/office/drawing/2014/main" xmlns="" id="{5D731C0B-58A7-4D62-B6E5-E2A4E8DAE119}"/>
               </a:ext>
             </a:extLst>
           </p:cNvPr>
@@ -37924,7 +37386,7 @@
           <p:cNvPr id="3" name="Espaço Reservado para Conteúdo 2">
             <a:extLst>
               <a:ext uri="{FF2B5EF4-FFF2-40B4-BE49-F238E27FC236}">
-                <a16:creationId xmlns="" xmlns:a16="http://schemas.microsoft.com/office/drawing/2014/main" id="{55AC9F9D-39C6-4C76-8A14-3F21EFA3C361}"/>
+                <a16:creationId xmlns:a16="http://schemas.microsoft.com/office/drawing/2014/main" xmlns="" id="{55AC9F9D-39C6-4C76-8A14-3F21EFA3C361}"/>
               </a:ext>
             </a:extLst>
           </p:cNvPr>
@@ -38045,7 +37507,7 @@
           <p:cNvPr id="2" name="Título 1">
             <a:extLst>
               <a:ext uri="{FF2B5EF4-FFF2-40B4-BE49-F238E27FC236}">
-                <a16:creationId xmlns="" xmlns:a16="http://schemas.microsoft.com/office/drawing/2014/main" id="{6FF2A86B-6EDC-4633-92E7-E4B458B87D35}"/>
+                <a16:creationId xmlns:a16="http://schemas.microsoft.com/office/drawing/2014/main" xmlns="" id="{6FF2A86B-6EDC-4633-92E7-E4B458B87D35}"/>
               </a:ext>
             </a:extLst>
           </p:cNvPr>
@@ -38077,7 +37539,7 @@
           <p:cNvPr id="3" name="Espaço Reservado para Conteúdo 2">
             <a:extLst>
               <a:ext uri="{FF2B5EF4-FFF2-40B4-BE49-F238E27FC236}">
-                <a16:creationId xmlns="" xmlns:a16="http://schemas.microsoft.com/office/drawing/2014/main" id="{F4EA13CF-7F2D-44F0-BDDD-164682762C9F}"/>
+                <a16:creationId xmlns:a16="http://schemas.microsoft.com/office/drawing/2014/main" xmlns="" id="{F4EA13CF-7F2D-44F0-BDDD-164682762C9F}"/>
               </a:ext>
             </a:extLst>
           </p:cNvPr>
@@ -38160,7 +37622,7 @@
           <p:cNvPr id="2" name="Título 1">
             <a:extLst>
               <a:ext uri="{FF2B5EF4-FFF2-40B4-BE49-F238E27FC236}">
-                <a16:creationId xmlns="" xmlns:a16="http://schemas.microsoft.com/office/drawing/2014/main" id="{FDF914E6-E0C5-4978-8371-133B8A138F6E}"/>
+                <a16:creationId xmlns:a16="http://schemas.microsoft.com/office/drawing/2014/main" xmlns="" id="{FDF914E6-E0C5-4978-8371-133B8A138F6E}"/>
               </a:ext>
             </a:extLst>
           </p:cNvPr>
@@ -38193,7 +37655,7 @@
           <p:cNvPr id="3" name="Espaço Reservado para Conteúdo 2">
             <a:extLst>
               <a:ext uri="{FF2B5EF4-FFF2-40B4-BE49-F238E27FC236}">
-                <a16:creationId xmlns="" xmlns:a16="http://schemas.microsoft.com/office/drawing/2014/main" id="{434AEE96-295D-44B8-AB41-C9EAE70DF62B}"/>
+                <a16:creationId xmlns:a16="http://schemas.microsoft.com/office/drawing/2014/main" xmlns="" id="{434AEE96-295D-44B8-AB41-C9EAE70DF62B}"/>
               </a:ext>
             </a:extLst>
           </p:cNvPr>
@@ -38436,7 +37898,7 @@
           <p:cNvPr id="2" name="Título 1">
             <a:extLst>
               <a:ext uri="{FF2B5EF4-FFF2-40B4-BE49-F238E27FC236}">
-                <a16:creationId xmlns="" xmlns:a16="http://schemas.microsoft.com/office/drawing/2014/main" id="{6F825406-6EA9-4A99-AEC2-E3E7EF53A31C}"/>
+                <a16:creationId xmlns:a16="http://schemas.microsoft.com/office/drawing/2014/main" xmlns="" id="{6F825406-6EA9-4A99-AEC2-E3E7EF53A31C}"/>
               </a:ext>
             </a:extLst>
           </p:cNvPr>
@@ -38604,7 +38066,7 @@
           <p:cNvPr id="2" name="Título 1">
             <a:extLst>
               <a:ext uri="{FF2B5EF4-FFF2-40B4-BE49-F238E27FC236}">
-                <a16:creationId xmlns="" xmlns:a16="http://schemas.microsoft.com/office/drawing/2014/main" id="{7A4EF438-65CE-44F7-A068-2DBA3B2156A1}"/>
+                <a16:creationId xmlns:a16="http://schemas.microsoft.com/office/drawing/2014/main" xmlns="" id="{7A4EF438-65CE-44F7-A068-2DBA3B2156A1}"/>
               </a:ext>
             </a:extLst>
           </p:cNvPr>
@@ -38645,7 +38107,7 @@
           <p:cNvPr id="3" name="Espaço Reservado para Conteúdo 2">
             <a:extLst>
               <a:ext uri="{FF2B5EF4-FFF2-40B4-BE49-F238E27FC236}">
-                <a16:creationId xmlns="" xmlns:a16="http://schemas.microsoft.com/office/drawing/2014/main" id="{6E72AB76-8C28-48BB-9A9A-5BADC2D05186}"/>
+                <a16:creationId xmlns:a16="http://schemas.microsoft.com/office/drawing/2014/main" xmlns="" id="{6E72AB76-8C28-48BB-9A9A-5BADC2D05186}"/>
               </a:ext>
             </a:extLst>
           </p:cNvPr>
@@ -38743,7 +38205,7 @@
           <p:cNvPr id="5" name="Imagem 4">
             <a:extLst>
               <a:ext uri="{FF2B5EF4-FFF2-40B4-BE49-F238E27FC236}">
-                <a16:creationId xmlns="" xmlns:a16="http://schemas.microsoft.com/office/drawing/2014/main" id="{866C3429-E25D-46D9-BB75-17A936090C2E}"/>
+                <a16:creationId xmlns:a16="http://schemas.microsoft.com/office/drawing/2014/main" xmlns="" id="{866C3429-E25D-46D9-BB75-17A936090C2E}"/>
               </a:ext>
             </a:extLst>
           </p:cNvPr>
@@ -38801,7 +38263,7 @@
           <p:cNvPr id="2" name="Título 1">
             <a:extLst>
               <a:ext uri="{FF2B5EF4-FFF2-40B4-BE49-F238E27FC236}">
-                <a16:creationId xmlns="" xmlns:a16="http://schemas.microsoft.com/office/drawing/2014/main" id="{9F1DA245-3D19-4F6A-BAD0-27485D1E9CE4}"/>
+                <a16:creationId xmlns:a16="http://schemas.microsoft.com/office/drawing/2014/main" xmlns="" id="{9F1DA245-3D19-4F6A-BAD0-27485D1E9CE4}"/>
               </a:ext>
             </a:extLst>
           </p:cNvPr>
@@ -38840,7 +38302,7 @@
           <p:cNvPr id="3" name="Espaço Reservado para Conteúdo 2">
             <a:extLst>
               <a:ext uri="{FF2B5EF4-FFF2-40B4-BE49-F238E27FC236}">
-                <a16:creationId xmlns="" xmlns:a16="http://schemas.microsoft.com/office/drawing/2014/main" id="{20187803-6AEB-4515-81CD-B4AF542DBE08}"/>
+                <a16:creationId xmlns:a16="http://schemas.microsoft.com/office/drawing/2014/main" xmlns="" id="{20187803-6AEB-4515-81CD-B4AF542DBE08}"/>
               </a:ext>
             </a:extLst>
           </p:cNvPr>
@@ -38921,7 +38383,7 @@
           <p:cNvPr id="2" name="Título 1">
             <a:extLst>
               <a:ext uri="{FF2B5EF4-FFF2-40B4-BE49-F238E27FC236}">
-                <a16:creationId xmlns="" xmlns:a16="http://schemas.microsoft.com/office/drawing/2014/main" id="{743EE9FB-F2C8-4624-961A-6262C803800B}"/>
+                <a16:creationId xmlns:a16="http://schemas.microsoft.com/office/drawing/2014/main" xmlns="" id="{743EE9FB-F2C8-4624-961A-6262C803800B}"/>
               </a:ext>
             </a:extLst>
           </p:cNvPr>
@@ -39094,7 +38556,7 @@
           <p:cNvPr id="2" name="Título 1">
             <a:extLst>
               <a:ext uri="{FF2B5EF4-FFF2-40B4-BE49-F238E27FC236}">
-                <a16:creationId xmlns="" xmlns:a16="http://schemas.microsoft.com/office/drawing/2014/main" id="{2195AF54-DC45-4757-B621-DFB6B3C33837}"/>
+                <a16:creationId xmlns:a16="http://schemas.microsoft.com/office/drawing/2014/main" xmlns="" id="{2195AF54-DC45-4757-B621-DFB6B3C33837}"/>
               </a:ext>
             </a:extLst>
           </p:cNvPr>
@@ -39198,7 +38660,7 @@
           <p:cNvPr id="2" name="Título 1">
             <a:extLst>
               <a:ext uri="{FF2B5EF4-FFF2-40B4-BE49-F238E27FC236}">
-                <a16:creationId xmlns="" xmlns:a16="http://schemas.microsoft.com/office/drawing/2014/main" id="{46AAD531-F8C9-4D8D-865C-E52F9596EA9E}"/>
+                <a16:creationId xmlns:a16="http://schemas.microsoft.com/office/drawing/2014/main" xmlns="" id="{46AAD531-F8C9-4D8D-865C-E52F9596EA9E}"/>
               </a:ext>
             </a:extLst>
           </p:cNvPr>
@@ -39226,7 +38688,7 @@
           <p:cNvPr id="3" name="Espaço Reservado para Conteúdo 2">
             <a:extLst>
               <a:ext uri="{FF2B5EF4-FFF2-40B4-BE49-F238E27FC236}">
-                <a16:creationId xmlns="" xmlns:a16="http://schemas.microsoft.com/office/drawing/2014/main" id="{4261A84D-8A4F-4E3A-9118-C7A55B5243CC}"/>
+                <a16:creationId xmlns:a16="http://schemas.microsoft.com/office/drawing/2014/main" xmlns="" id="{4261A84D-8A4F-4E3A-9118-C7A55B5243CC}"/>
               </a:ext>
             </a:extLst>
           </p:cNvPr>
@@ -39316,7 +38778,7 @@
           <p:cNvPr id="2" name="Título 1">
             <a:extLst>
               <a:ext uri="{FF2B5EF4-FFF2-40B4-BE49-F238E27FC236}">
-                <a16:creationId xmlns="" xmlns:a16="http://schemas.microsoft.com/office/drawing/2014/main" id="{0A0A4422-A8BA-46C2-B233-32089610B4C8}"/>
+                <a16:creationId xmlns:a16="http://schemas.microsoft.com/office/drawing/2014/main" xmlns="" id="{0A0A4422-A8BA-46C2-B233-32089610B4C8}"/>
               </a:ext>
             </a:extLst>
           </p:cNvPr>
@@ -39344,7 +38806,7 @@
           <p:cNvPr id="3" name="Espaço Reservado para Conteúdo 2">
             <a:extLst>
               <a:ext uri="{FF2B5EF4-FFF2-40B4-BE49-F238E27FC236}">
-                <a16:creationId xmlns="" xmlns:a16="http://schemas.microsoft.com/office/drawing/2014/main" id="{E57BD42F-E131-46BC-AC5B-2EAA043E5016}"/>
+                <a16:creationId xmlns:a16="http://schemas.microsoft.com/office/drawing/2014/main" xmlns="" id="{E57BD42F-E131-46BC-AC5B-2EAA043E5016}"/>
               </a:ext>
             </a:extLst>
           </p:cNvPr>
@@ -39421,7 +38883,7 @@
           <p:cNvPr id="2" name="Título 1">
             <a:extLst>
               <a:ext uri="{FF2B5EF4-FFF2-40B4-BE49-F238E27FC236}">
-                <a16:creationId xmlns="" xmlns:a16="http://schemas.microsoft.com/office/drawing/2014/main" id="{C2E6F75E-DDB3-4027-BA86-482EBF3FCB66}"/>
+                <a16:creationId xmlns:a16="http://schemas.microsoft.com/office/drawing/2014/main" xmlns="" id="{C2E6F75E-DDB3-4027-BA86-482EBF3FCB66}"/>
               </a:ext>
             </a:extLst>
           </p:cNvPr>
@@ -39449,7 +38911,7 @@
           <p:cNvPr id="3" name="Espaço Reservado para Conteúdo 2">
             <a:extLst>
               <a:ext uri="{FF2B5EF4-FFF2-40B4-BE49-F238E27FC236}">
-                <a16:creationId xmlns="" xmlns:a16="http://schemas.microsoft.com/office/drawing/2014/main" id="{86858726-F9B6-4BCD-A6B9-997819D78B37}"/>
+                <a16:creationId xmlns:a16="http://schemas.microsoft.com/office/drawing/2014/main" xmlns="" id="{86858726-F9B6-4BCD-A6B9-997819D78B37}"/>
               </a:ext>
             </a:extLst>
           </p:cNvPr>
@@ -39769,7 +39231,7 @@
           <p:cNvPr id="2" name="Título 1">
             <a:extLst>
               <a:ext uri="{FF2B5EF4-FFF2-40B4-BE49-F238E27FC236}">
-                <a16:creationId xmlns="" xmlns:a16="http://schemas.microsoft.com/office/drawing/2014/main" id="{F276A30D-332E-455E-B447-6F51E78024C9}"/>
+                <a16:creationId xmlns:a16="http://schemas.microsoft.com/office/drawing/2014/main" xmlns="" id="{F276A30D-332E-455E-B447-6F51E78024C9}"/>
               </a:ext>
             </a:extLst>
           </p:cNvPr>
@@ -39797,7 +39259,7 @@
           <p:cNvPr id="3" name="Espaço Reservado para Conteúdo 2">
             <a:extLst>
               <a:ext uri="{FF2B5EF4-FFF2-40B4-BE49-F238E27FC236}">
-                <a16:creationId xmlns="" xmlns:a16="http://schemas.microsoft.com/office/drawing/2014/main" id="{A0831FB3-909E-4206-90E4-C328F96C944E}"/>
+                <a16:creationId xmlns:a16="http://schemas.microsoft.com/office/drawing/2014/main" xmlns="" id="{A0831FB3-909E-4206-90E4-C328F96C944E}"/>
               </a:ext>
             </a:extLst>
           </p:cNvPr>
